--- a/Slides/2_VueJS.pptx
+++ b/Slides/2_VueJS.pptx
@@ -112,6 +112,11 @@
       </a:defRPr>
     </a:lvl9pPr>
   </p:defaultTextStyle>
+  <p:extLst>
+    <p:ext uri="{EFAFB233-063F-42B5-8137-9DF3F51BA10A}">
+      <p15:sldGuideLst xmlns:p15="http://schemas.microsoft.com/office/powerpoint/2012/main"/>
+    </p:ext>
+  </p:extLst>
 </p:presentation>
 </file>
 
@@ -262,7 +267,7 @@
           <a:p>
             <a:fld id="{52B491D6-D58D-44B5-AD9D-0243D7ABB41E}" type="datetimeFigureOut">
               <a:rPr lang="en-US" smtClean="0"/>
-              <a:t>7/19/2021</a:t>
+              <a:t>7/30/2021</a:t>
             </a:fld>
             <a:endParaRPr lang="en-US"/>
           </a:p>
@@ -460,7 +465,7 @@
           <a:p>
             <a:fld id="{52B491D6-D58D-44B5-AD9D-0243D7ABB41E}" type="datetimeFigureOut">
               <a:rPr lang="en-US" smtClean="0"/>
-              <a:t>7/19/2021</a:t>
+              <a:t>7/30/2021</a:t>
             </a:fld>
             <a:endParaRPr lang="en-US"/>
           </a:p>
@@ -668,7 +673,7 @@
           <a:p>
             <a:fld id="{52B491D6-D58D-44B5-AD9D-0243D7ABB41E}" type="datetimeFigureOut">
               <a:rPr lang="en-US" smtClean="0"/>
-              <a:t>7/19/2021</a:t>
+              <a:t>7/30/2021</a:t>
             </a:fld>
             <a:endParaRPr lang="en-US"/>
           </a:p>
@@ -1054,7 +1059,7 @@
           <a:p>
             <a:fld id="{52B491D6-D58D-44B5-AD9D-0243D7ABB41E}" type="datetimeFigureOut">
               <a:rPr lang="en-US" smtClean="0"/>
-              <a:t>7/19/2021</a:t>
+              <a:t>7/30/2021</a:t>
             </a:fld>
             <a:endParaRPr lang="en-US"/>
           </a:p>
@@ -1329,7 +1334,7 @@
           <a:p>
             <a:fld id="{52B491D6-D58D-44B5-AD9D-0243D7ABB41E}" type="datetimeFigureOut">
               <a:rPr lang="en-US" smtClean="0"/>
-              <a:t>7/19/2021</a:t>
+              <a:t>7/30/2021</a:t>
             </a:fld>
             <a:endParaRPr lang="en-US"/>
           </a:p>
@@ -1594,7 +1599,7 @@
           <a:p>
             <a:fld id="{52B491D6-D58D-44B5-AD9D-0243D7ABB41E}" type="datetimeFigureOut">
               <a:rPr lang="en-US" smtClean="0"/>
-              <a:t>7/19/2021</a:t>
+              <a:t>7/30/2021</a:t>
             </a:fld>
             <a:endParaRPr lang="en-US"/>
           </a:p>
@@ -2006,7 +2011,7 @@
           <a:p>
             <a:fld id="{52B491D6-D58D-44B5-AD9D-0243D7ABB41E}" type="datetimeFigureOut">
               <a:rPr lang="en-US" smtClean="0"/>
-              <a:t>7/19/2021</a:t>
+              <a:t>7/30/2021</a:t>
             </a:fld>
             <a:endParaRPr lang="en-US"/>
           </a:p>
@@ -2147,7 +2152,7 @@
           <a:p>
             <a:fld id="{52B491D6-D58D-44B5-AD9D-0243D7ABB41E}" type="datetimeFigureOut">
               <a:rPr lang="en-US" smtClean="0"/>
-              <a:t>7/19/2021</a:t>
+              <a:t>7/30/2021</a:t>
             </a:fld>
             <a:endParaRPr lang="en-US"/>
           </a:p>
@@ -2260,7 +2265,7 @@
           <a:p>
             <a:fld id="{52B491D6-D58D-44B5-AD9D-0243D7ABB41E}" type="datetimeFigureOut">
               <a:rPr lang="en-US" smtClean="0"/>
-              <a:t>7/19/2021</a:t>
+              <a:t>7/30/2021</a:t>
             </a:fld>
             <a:endParaRPr lang="en-US"/>
           </a:p>
@@ -2571,7 +2576,7 @@
           <a:p>
             <a:fld id="{52B491D6-D58D-44B5-AD9D-0243D7ABB41E}" type="datetimeFigureOut">
               <a:rPr lang="en-US" smtClean="0"/>
-              <a:t>7/19/2021</a:t>
+              <a:t>7/30/2021</a:t>
             </a:fld>
             <a:endParaRPr lang="en-US"/>
           </a:p>
@@ -2859,7 +2864,7 @@
           <a:p>
             <a:fld id="{52B491D6-D58D-44B5-AD9D-0243D7ABB41E}" type="datetimeFigureOut">
               <a:rPr lang="en-US" smtClean="0"/>
-              <a:t>7/19/2021</a:t>
+              <a:t>7/30/2021</a:t>
             </a:fld>
             <a:endParaRPr lang="en-US"/>
           </a:p>
@@ -3100,7 +3105,7 @@
           <a:p>
             <a:fld id="{52B491D6-D58D-44B5-AD9D-0243D7ABB41E}" type="datetimeFigureOut">
               <a:rPr lang="en-US" smtClean="0"/>
-              <a:t>7/19/2021</a:t>
+              <a:t>7/30/2021</a:t>
             </a:fld>
             <a:endParaRPr lang="en-US"/>
           </a:p>
@@ -4390,6 +4395,36 @@
           </a:p>
         </p:txBody>
       </p:sp>
+      <p:pic>
+        <p:nvPicPr>
+          <p:cNvPr id="9" name="Picture 8">
+            <a:extLst>
+              <a:ext uri="{FF2B5EF4-FFF2-40B4-BE49-F238E27FC236}">
+                <a16:creationId xmlns:a16="http://schemas.microsoft.com/office/drawing/2014/main" id="{283E8C49-A926-47E7-878E-F318AC300343}"/>
+              </a:ext>
+            </a:extLst>
+          </p:cNvPr>
+          <p:cNvPicPr>
+            <a:picLocks noChangeAspect="1"/>
+          </p:cNvPicPr>
+          <p:nvPr/>
+        </p:nvPicPr>
+        <p:blipFill>
+          <a:blip r:embed="rId2"/>
+          <a:stretch>
+            <a:fillRect/>
+          </a:stretch>
+        </p:blipFill>
+        <p:spPr>
+          <a:xfrm>
+            <a:off x="2688166" y="2680761"/>
+            <a:ext cx="6815667" cy="3631139"/>
+          </a:xfrm>
+          <a:prstGeom prst="rect">
+            <a:avLst/>
+          </a:prstGeom>
+        </p:spPr>
+      </p:pic>
     </p:spTree>
     <p:extLst>
       <p:ext uri="{BB962C8B-B14F-4D97-AF65-F5344CB8AC3E}">
@@ -4953,26 +4988,29 @@
       </p:sp>
       <p:sp>
         <p:nvSpPr>
-          <p:cNvPr id="5" name="Content Placeholder 4">
-            <a:extLst>
-              <a:ext uri="{FF2B5EF4-FFF2-40B4-BE49-F238E27FC236}">
-                <a16:creationId xmlns:a16="http://schemas.microsoft.com/office/drawing/2014/main" id="{0D3DBE11-6E5C-4873-85FC-DD5F6605B4EA}"/>
-              </a:ext>
-            </a:extLst>
-          </p:cNvPr>
-          <p:cNvSpPr>
-            <a:spLocks noGrp="1"/>
-          </p:cNvSpPr>
-          <p:nvPr>
-            <p:ph idx="1"/>
-          </p:nvPr>
-        </p:nvSpPr>
-        <p:spPr/>
-        <p:txBody>
-          <a:bodyPr/>
-          <a:lstStyle/>
-          <a:p>
-            <a:endParaRPr lang="en-US"/>
+          <p:cNvPr id="2" name="Text Placeholder 1">
+            <a:extLst>
+              <a:ext uri="{FF2B5EF4-FFF2-40B4-BE49-F238E27FC236}">
+                <a16:creationId xmlns:a16="http://schemas.microsoft.com/office/drawing/2014/main" id="{51CEBB37-7890-4502-81E6-D05C040CDFA0}"/>
+              </a:ext>
+            </a:extLst>
+          </p:cNvPr>
+          <p:cNvSpPr>
+            <a:spLocks noGrp="1"/>
+          </p:cNvSpPr>
+          <p:nvPr>
+            <p:ph type="body" idx="1"/>
+          </p:nvPr>
+        </p:nvSpPr>
+        <p:spPr/>
+        <p:txBody>
+          <a:bodyPr/>
+          <a:lstStyle/>
+          <a:p>
+            <a:r>
+              <a:rPr lang="en-US"/>
+              <a:t>Vue.JS</a:t>
+            </a:r>
           </a:p>
         </p:txBody>
       </p:sp>

--- a/Slides/2_VueJS.pptx
+++ b/Slides/2_VueJS.pptx
@@ -4,6 +4,9 @@
   <p:sldMasterIdLst>
     <p:sldMasterId id="2147483648" r:id="rId1"/>
   </p:sldMasterIdLst>
+  <p:notesMasterIdLst>
+    <p:notesMasterId r:id="rId24"/>
+  </p:notesMasterIdLst>
   <p:sldIdLst>
     <p:sldId id="256" r:id="rId2"/>
     <p:sldId id="301" r:id="rId3"/>
@@ -13,7 +16,20 @@
     <p:sldId id="305" r:id="rId7"/>
     <p:sldId id="306" r:id="rId8"/>
     <p:sldId id="308" r:id="rId9"/>
-    <p:sldId id="307" r:id="rId10"/>
+    <p:sldId id="310" r:id="rId10"/>
+    <p:sldId id="311" r:id="rId11"/>
+    <p:sldId id="307" r:id="rId12"/>
+    <p:sldId id="313" r:id="rId13"/>
+    <p:sldId id="312" r:id="rId14"/>
+    <p:sldId id="315" r:id="rId15"/>
+    <p:sldId id="316" r:id="rId16"/>
+    <p:sldId id="314" r:id="rId17"/>
+    <p:sldId id="317" r:id="rId18"/>
+    <p:sldId id="318" r:id="rId19"/>
+    <p:sldId id="319" r:id="rId20"/>
+    <p:sldId id="320" r:id="rId21"/>
+    <p:sldId id="321" r:id="rId22"/>
+    <p:sldId id="322" r:id="rId23"/>
   </p:sldIdLst>
   <p:sldSz cx="12192000" cy="6858000"/>
   <p:notesSz cx="6858000" cy="9144000"/>
@@ -120,6 +136,439 @@
 </p:presentation>
 </file>
 
+<file path=ppt/notesMasters/notesMaster1.xml><?xml version="1.0" encoding="utf-8"?>
+<p:notesMaster xmlns:a="http://schemas.openxmlformats.org/drawingml/2006/main" xmlns:r="http://schemas.openxmlformats.org/officeDocument/2006/relationships" xmlns:p="http://schemas.openxmlformats.org/presentationml/2006/main">
+  <p:cSld>
+    <p:bg>
+      <p:bgRef idx="1001">
+        <a:schemeClr val="bg1"/>
+      </p:bgRef>
+    </p:bg>
+    <p:spTree>
+      <p:nvGrpSpPr>
+        <p:cNvPr id="1" name=""/>
+        <p:cNvGrpSpPr/>
+        <p:nvPr/>
+      </p:nvGrpSpPr>
+      <p:grpSpPr>
+        <a:xfrm>
+          <a:off x="0" y="0"/>
+          <a:ext cx="0" cy="0"/>
+          <a:chOff x="0" y="0"/>
+          <a:chExt cx="0" cy="0"/>
+        </a:xfrm>
+      </p:grpSpPr>
+      <p:sp>
+        <p:nvSpPr>
+          <p:cNvPr id="2" name="Header Placeholder 1"/>
+          <p:cNvSpPr>
+            <a:spLocks noGrp="1"/>
+          </p:cNvSpPr>
+          <p:nvPr>
+            <p:ph type="hdr" sz="quarter"/>
+          </p:nvPr>
+        </p:nvSpPr>
+        <p:spPr>
+          <a:xfrm>
+            <a:off x="0" y="0"/>
+            <a:ext cx="2971800" cy="458788"/>
+          </a:xfrm>
+          <a:prstGeom prst="rect">
+            <a:avLst/>
+          </a:prstGeom>
+        </p:spPr>
+        <p:txBody>
+          <a:bodyPr vert="horz" lIns="91440" tIns="45720" rIns="91440" bIns="45720" rtlCol="0"/>
+          <a:lstStyle>
+            <a:lvl1pPr algn="l">
+              <a:defRPr sz="1200"/>
+            </a:lvl1pPr>
+          </a:lstStyle>
+          <a:p>
+            <a:endParaRPr lang="en-US"/>
+          </a:p>
+        </p:txBody>
+      </p:sp>
+      <p:sp>
+        <p:nvSpPr>
+          <p:cNvPr id="3" name="Date Placeholder 2"/>
+          <p:cNvSpPr>
+            <a:spLocks noGrp="1"/>
+          </p:cNvSpPr>
+          <p:nvPr>
+            <p:ph type="dt" idx="1"/>
+          </p:nvPr>
+        </p:nvSpPr>
+        <p:spPr>
+          <a:xfrm>
+            <a:off x="3884613" y="0"/>
+            <a:ext cx="2971800" cy="458788"/>
+          </a:xfrm>
+          <a:prstGeom prst="rect">
+            <a:avLst/>
+          </a:prstGeom>
+        </p:spPr>
+        <p:txBody>
+          <a:bodyPr vert="horz" lIns="91440" tIns="45720" rIns="91440" bIns="45720" rtlCol="0"/>
+          <a:lstStyle>
+            <a:lvl1pPr algn="r">
+              <a:defRPr sz="1200"/>
+            </a:lvl1pPr>
+          </a:lstStyle>
+          <a:p>
+            <a:fld id="{FE0698A4-8696-4B25-BC16-7D62971AF3FD}" type="datetimeFigureOut">
+              <a:rPr lang="en-US" smtClean="0"/>
+              <a:t>8/1/2021</a:t>
+            </a:fld>
+            <a:endParaRPr lang="en-US"/>
+          </a:p>
+        </p:txBody>
+      </p:sp>
+      <p:sp>
+        <p:nvSpPr>
+          <p:cNvPr id="4" name="Slide Image Placeholder 3"/>
+          <p:cNvSpPr>
+            <a:spLocks noGrp="1" noRot="1" noChangeAspect="1"/>
+          </p:cNvSpPr>
+          <p:nvPr>
+            <p:ph type="sldImg" idx="2"/>
+          </p:nvPr>
+        </p:nvSpPr>
+        <p:spPr>
+          <a:xfrm>
+            <a:off x="685800" y="1143000"/>
+            <a:ext cx="5486400" cy="3086100"/>
+          </a:xfrm>
+          <a:prstGeom prst="rect">
+            <a:avLst/>
+          </a:prstGeom>
+          <a:noFill/>
+          <a:ln w="12700">
+            <a:solidFill>
+              <a:prstClr val="black"/>
+            </a:solidFill>
+          </a:ln>
+        </p:spPr>
+        <p:txBody>
+          <a:bodyPr vert="horz" lIns="91440" tIns="45720" rIns="91440" bIns="45720" rtlCol="0" anchor="ctr"/>
+          <a:lstStyle/>
+          <a:p>
+            <a:endParaRPr lang="en-US"/>
+          </a:p>
+        </p:txBody>
+      </p:sp>
+      <p:sp>
+        <p:nvSpPr>
+          <p:cNvPr id="5" name="Notes Placeholder 4"/>
+          <p:cNvSpPr>
+            <a:spLocks noGrp="1"/>
+          </p:cNvSpPr>
+          <p:nvPr>
+            <p:ph type="body" sz="quarter" idx="3"/>
+          </p:nvPr>
+        </p:nvSpPr>
+        <p:spPr>
+          <a:xfrm>
+            <a:off x="685800" y="4400550"/>
+            <a:ext cx="5486400" cy="3600450"/>
+          </a:xfrm>
+          <a:prstGeom prst="rect">
+            <a:avLst/>
+          </a:prstGeom>
+        </p:spPr>
+        <p:txBody>
+          <a:bodyPr vert="horz" lIns="91440" tIns="45720" rIns="91440" bIns="45720" rtlCol="0"/>
+          <a:lstStyle/>
+          <a:p>
+            <a:pPr lvl="0"/>
+            <a:r>
+              <a:rPr lang="en-US"/>
+              <a:t>Click to edit Master text styles</a:t>
+            </a:r>
+          </a:p>
+          <a:p>
+            <a:pPr lvl="1"/>
+            <a:r>
+              <a:rPr lang="en-US"/>
+              <a:t>Second level</a:t>
+            </a:r>
+          </a:p>
+          <a:p>
+            <a:pPr lvl="2"/>
+            <a:r>
+              <a:rPr lang="en-US"/>
+              <a:t>Third level</a:t>
+            </a:r>
+          </a:p>
+          <a:p>
+            <a:pPr lvl="3"/>
+            <a:r>
+              <a:rPr lang="en-US"/>
+              <a:t>Fourth level</a:t>
+            </a:r>
+          </a:p>
+          <a:p>
+            <a:pPr lvl="4"/>
+            <a:r>
+              <a:rPr lang="en-US"/>
+              <a:t>Fifth level</a:t>
+            </a:r>
+          </a:p>
+        </p:txBody>
+      </p:sp>
+      <p:sp>
+        <p:nvSpPr>
+          <p:cNvPr id="6" name="Footer Placeholder 5"/>
+          <p:cNvSpPr>
+            <a:spLocks noGrp="1"/>
+          </p:cNvSpPr>
+          <p:nvPr>
+            <p:ph type="ftr" sz="quarter" idx="4"/>
+          </p:nvPr>
+        </p:nvSpPr>
+        <p:spPr>
+          <a:xfrm>
+            <a:off x="0" y="8685213"/>
+            <a:ext cx="2971800" cy="458787"/>
+          </a:xfrm>
+          <a:prstGeom prst="rect">
+            <a:avLst/>
+          </a:prstGeom>
+        </p:spPr>
+        <p:txBody>
+          <a:bodyPr vert="horz" lIns="91440" tIns="45720" rIns="91440" bIns="45720" rtlCol="0" anchor="b"/>
+          <a:lstStyle>
+            <a:lvl1pPr algn="l">
+              <a:defRPr sz="1200"/>
+            </a:lvl1pPr>
+          </a:lstStyle>
+          <a:p>
+            <a:endParaRPr lang="en-US"/>
+          </a:p>
+        </p:txBody>
+      </p:sp>
+      <p:sp>
+        <p:nvSpPr>
+          <p:cNvPr id="7" name="Slide Number Placeholder 6"/>
+          <p:cNvSpPr>
+            <a:spLocks noGrp="1"/>
+          </p:cNvSpPr>
+          <p:nvPr>
+            <p:ph type="sldNum" sz="quarter" idx="5"/>
+          </p:nvPr>
+        </p:nvSpPr>
+        <p:spPr>
+          <a:xfrm>
+            <a:off x="3884613" y="8685213"/>
+            <a:ext cx="2971800" cy="458787"/>
+          </a:xfrm>
+          <a:prstGeom prst="rect">
+            <a:avLst/>
+          </a:prstGeom>
+        </p:spPr>
+        <p:txBody>
+          <a:bodyPr vert="horz" lIns="91440" tIns="45720" rIns="91440" bIns="45720" rtlCol="0" anchor="b"/>
+          <a:lstStyle>
+            <a:lvl1pPr algn="r">
+              <a:defRPr sz="1200"/>
+            </a:lvl1pPr>
+          </a:lstStyle>
+          <a:p>
+            <a:fld id="{0C7D6E66-10FD-47A2-AEEA-EC66FB893916}" type="slidenum">
+              <a:rPr lang="en-US" smtClean="0"/>
+              <a:t>‹#›</a:t>
+            </a:fld>
+            <a:endParaRPr lang="en-US"/>
+          </a:p>
+        </p:txBody>
+      </p:sp>
+    </p:spTree>
+    <p:extLst>
+      <p:ext uri="{BB962C8B-B14F-4D97-AF65-F5344CB8AC3E}">
+        <p14:creationId xmlns:p14="http://schemas.microsoft.com/office/powerpoint/2010/main" val="4001513380"/>
+      </p:ext>
+    </p:extLst>
+  </p:cSld>
+  <p:clrMap bg1="lt1" tx1="dk1" bg2="lt2" tx2="dk2" accent1="accent1" accent2="accent2" accent3="accent3" accent4="accent4" accent5="accent5" accent6="accent6" hlink="hlink" folHlink="folHlink"/>
+  <p:notesStyle>
+    <a:lvl1pPr marL="0" algn="l" defTabSz="914400" rtl="0" eaLnBrk="1" latinLnBrk="0" hangingPunct="1">
+      <a:defRPr sz="1200" kern="1200">
+        <a:solidFill>
+          <a:schemeClr val="tx1"/>
+        </a:solidFill>
+        <a:latin typeface="+mn-lt"/>
+        <a:ea typeface="+mn-ea"/>
+        <a:cs typeface="+mn-cs"/>
+      </a:defRPr>
+    </a:lvl1pPr>
+    <a:lvl2pPr marL="457200" algn="l" defTabSz="914400" rtl="0" eaLnBrk="1" latinLnBrk="0" hangingPunct="1">
+      <a:defRPr sz="1200" kern="1200">
+        <a:solidFill>
+          <a:schemeClr val="tx1"/>
+        </a:solidFill>
+        <a:latin typeface="+mn-lt"/>
+        <a:ea typeface="+mn-ea"/>
+        <a:cs typeface="+mn-cs"/>
+      </a:defRPr>
+    </a:lvl2pPr>
+    <a:lvl3pPr marL="914400" algn="l" defTabSz="914400" rtl="0" eaLnBrk="1" latinLnBrk="0" hangingPunct="1">
+      <a:defRPr sz="1200" kern="1200">
+        <a:solidFill>
+          <a:schemeClr val="tx1"/>
+        </a:solidFill>
+        <a:latin typeface="+mn-lt"/>
+        <a:ea typeface="+mn-ea"/>
+        <a:cs typeface="+mn-cs"/>
+      </a:defRPr>
+    </a:lvl3pPr>
+    <a:lvl4pPr marL="1371600" algn="l" defTabSz="914400" rtl="0" eaLnBrk="1" latinLnBrk="0" hangingPunct="1">
+      <a:defRPr sz="1200" kern="1200">
+        <a:solidFill>
+          <a:schemeClr val="tx1"/>
+        </a:solidFill>
+        <a:latin typeface="+mn-lt"/>
+        <a:ea typeface="+mn-ea"/>
+        <a:cs typeface="+mn-cs"/>
+      </a:defRPr>
+    </a:lvl4pPr>
+    <a:lvl5pPr marL="1828800" algn="l" defTabSz="914400" rtl="0" eaLnBrk="1" latinLnBrk="0" hangingPunct="1">
+      <a:defRPr sz="1200" kern="1200">
+        <a:solidFill>
+          <a:schemeClr val="tx1"/>
+        </a:solidFill>
+        <a:latin typeface="+mn-lt"/>
+        <a:ea typeface="+mn-ea"/>
+        <a:cs typeface="+mn-cs"/>
+      </a:defRPr>
+    </a:lvl5pPr>
+    <a:lvl6pPr marL="2286000" algn="l" defTabSz="914400" rtl="0" eaLnBrk="1" latinLnBrk="0" hangingPunct="1">
+      <a:defRPr sz="1200" kern="1200">
+        <a:solidFill>
+          <a:schemeClr val="tx1"/>
+        </a:solidFill>
+        <a:latin typeface="+mn-lt"/>
+        <a:ea typeface="+mn-ea"/>
+        <a:cs typeface="+mn-cs"/>
+      </a:defRPr>
+    </a:lvl6pPr>
+    <a:lvl7pPr marL="2743200" algn="l" defTabSz="914400" rtl="0" eaLnBrk="1" latinLnBrk="0" hangingPunct="1">
+      <a:defRPr sz="1200" kern="1200">
+        <a:solidFill>
+          <a:schemeClr val="tx1"/>
+        </a:solidFill>
+        <a:latin typeface="+mn-lt"/>
+        <a:ea typeface="+mn-ea"/>
+        <a:cs typeface="+mn-cs"/>
+      </a:defRPr>
+    </a:lvl7pPr>
+    <a:lvl8pPr marL="3200400" algn="l" defTabSz="914400" rtl="0" eaLnBrk="1" latinLnBrk="0" hangingPunct="1">
+      <a:defRPr sz="1200" kern="1200">
+        <a:solidFill>
+          <a:schemeClr val="tx1"/>
+        </a:solidFill>
+        <a:latin typeface="+mn-lt"/>
+        <a:ea typeface="+mn-ea"/>
+        <a:cs typeface="+mn-cs"/>
+      </a:defRPr>
+    </a:lvl8pPr>
+    <a:lvl9pPr marL="3657600" algn="l" defTabSz="914400" rtl="0" eaLnBrk="1" latinLnBrk="0" hangingPunct="1">
+      <a:defRPr sz="1200" kern="1200">
+        <a:solidFill>
+          <a:schemeClr val="tx1"/>
+        </a:solidFill>
+        <a:latin typeface="+mn-lt"/>
+        <a:ea typeface="+mn-ea"/>
+        <a:cs typeface="+mn-cs"/>
+      </a:defRPr>
+    </a:lvl9pPr>
+  </p:notesStyle>
+</p:notesMaster>
+</file>
+
+<file path=ppt/notesSlides/notesSlide1.xml><?xml version="1.0" encoding="utf-8"?>
+<p:notes xmlns:a="http://schemas.openxmlformats.org/drawingml/2006/main" xmlns:r="http://schemas.openxmlformats.org/officeDocument/2006/relationships" xmlns:p="http://schemas.openxmlformats.org/presentationml/2006/main">
+  <p:cSld>
+    <p:spTree>
+      <p:nvGrpSpPr>
+        <p:cNvPr id="1" name=""/>
+        <p:cNvGrpSpPr/>
+        <p:nvPr/>
+      </p:nvGrpSpPr>
+      <p:grpSpPr>
+        <a:xfrm>
+          <a:off x="0" y="0"/>
+          <a:ext cx="0" cy="0"/>
+          <a:chOff x="0" y="0"/>
+          <a:chExt cx="0" cy="0"/>
+        </a:xfrm>
+      </p:grpSpPr>
+      <p:sp>
+        <p:nvSpPr>
+          <p:cNvPr id="2" name="Slide Image Placeholder 1"/>
+          <p:cNvSpPr>
+            <a:spLocks noGrp="1" noRot="1" noChangeAspect="1"/>
+          </p:cNvSpPr>
+          <p:nvPr>
+            <p:ph type="sldImg"/>
+          </p:nvPr>
+        </p:nvSpPr>
+        <p:spPr/>
+      </p:sp>
+      <p:sp>
+        <p:nvSpPr>
+          <p:cNvPr id="3" name="Notes Placeholder 2"/>
+          <p:cNvSpPr>
+            <a:spLocks noGrp="1"/>
+          </p:cNvSpPr>
+          <p:nvPr>
+            <p:ph type="body" idx="1"/>
+          </p:nvPr>
+        </p:nvSpPr>
+        <p:spPr/>
+        <p:txBody>
+          <a:bodyPr/>
+          <a:lstStyle/>
+          <a:p>
+            <a:endParaRPr lang="en-US" dirty="0"/>
+          </a:p>
+        </p:txBody>
+      </p:sp>
+      <p:sp>
+        <p:nvSpPr>
+          <p:cNvPr id="4" name="Slide Number Placeholder 3"/>
+          <p:cNvSpPr>
+            <a:spLocks noGrp="1"/>
+          </p:cNvSpPr>
+          <p:nvPr>
+            <p:ph type="sldNum" sz="quarter" idx="5"/>
+          </p:nvPr>
+        </p:nvSpPr>
+        <p:spPr/>
+        <p:txBody>
+          <a:bodyPr/>
+          <a:lstStyle/>
+          <a:p>
+            <a:fld id="{0C7D6E66-10FD-47A2-AEEA-EC66FB893916}" type="slidenum">
+              <a:rPr lang="en-US" smtClean="0"/>
+              <a:t>9</a:t>
+            </a:fld>
+            <a:endParaRPr lang="en-US"/>
+          </a:p>
+        </p:txBody>
+      </p:sp>
+    </p:spTree>
+    <p:extLst>
+      <p:ext uri="{BB962C8B-B14F-4D97-AF65-F5344CB8AC3E}">
+        <p14:creationId xmlns:p14="http://schemas.microsoft.com/office/powerpoint/2010/main" val="3530225005"/>
+      </p:ext>
+    </p:extLst>
+  </p:cSld>
+  <p:clrMapOvr>
+    <a:masterClrMapping/>
+  </p:clrMapOvr>
+</p:notes>
+</file>
+
 <file path=ppt/slideLayouts/slideLayout1.xml><?xml version="1.0" encoding="utf-8"?>
 <p:sldLayout xmlns:a="http://schemas.openxmlformats.org/drawingml/2006/main" xmlns:r="http://schemas.openxmlformats.org/officeDocument/2006/relationships" xmlns:p="http://schemas.openxmlformats.org/presentationml/2006/main" type="title" preserve="1">
   <p:cSld name="Title Slide">
@@ -267,7 +716,7 @@
           <a:p>
             <a:fld id="{52B491D6-D58D-44B5-AD9D-0243D7ABB41E}" type="datetimeFigureOut">
               <a:rPr lang="en-US" smtClean="0"/>
-              <a:t>7/30/2021</a:t>
+              <a:t>8/1/2021</a:t>
             </a:fld>
             <a:endParaRPr lang="en-US"/>
           </a:p>
@@ -465,7 +914,7 @@
           <a:p>
             <a:fld id="{52B491D6-D58D-44B5-AD9D-0243D7ABB41E}" type="datetimeFigureOut">
               <a:rPr lang="en-US" smtClean="0"/>
-              <a:t>7/30/2021</a:t>
+              <a:t>8/1/2021</a:t>
             </a:fld>
             <a:endParaRPr lang="en-US"/>
           </a:p>
@@ -673,7 +1122,7 @@
           <a:p>
             <a:fld id="{52B491D6-D58D-44B5-AD9D-0243D7ABB41E}" type="datetimeFigureOut">
               <a:rPr lang="en-US" smtClean="0"/>
-              <a:t>7/30/2021</a:t>
+              <a:t>8/1/2021</a:t>
             </a:fld>
             <a:endParaRPr lang="en-US"/>
           </a:p>
@@ -1059,7 +1508,7 @@
           <a:p>
             <a:fld id="{52B491D6-D58D-44B5-AD9D-0243D7ABB41E}" type="datetimeFigureOut">
               <a:rPr lang="en-US" smtClean="0"/>
-              <a:t>7/30/2021</a:t>
+              <a:t>8/1/2021</a:t>
             </a:fld>
             <a:endParaRPr lang="en-US"/>
           </a:p>
@@ -1334,7 +1783,7 @@
           <a:p>
             <a:fld id="{52B491D6-D58D-44B5-AD9D-0243D7ABB41E}" type="datetimeFigureOut">
               <a:rPr lang="en-US" smtClean="0"/>
-              <a:t>7/30/2021</a:t>
+              <a:t>8/1/2021</a:t>
             </a:fld>
             <a:endParaRPr lang="en-US"/>
           </a:p>
@@ -1599,7 +2048,7 @@
           <a:p>
             <a:fld id="{52B491D6-D58D-44B5-AD9D-0243D7ABB41E}" type="datetimeFigureOut">
               <a:rPr lang="en-US" smtClean="0"/>
-              <a:t>7/30/2021</a:t>
+              <a:t>8/1/2021</a:t>
             </a:fld>
             <a:endParaRPr lang="en-US"/>
           </a:p>
@@ -2011,7 +2460,7 @@
           <a:p>
             <a:fld id="{52B491D6-D58D-44B5-AD9D-0243D7ABB41E}" type="datetimeFigureOut">
               <a:rPr lang="en-US" smtClean="0"/>
-              <a:t>7/30/2021</a:t>
+              <a:t>8/1/2021</a:t>
             </a:fld>
             <a:endParaRPr lang="en-US"/>
           </a:p>
@@ -2152,7 +2601,7 @@
           <a:p>
             <a:fld id="{52B491D6-D58D-44B5-AD9D-0243D7ABB41E}" type="datetimeFigureOut">
               <a:rPr lang="en-US" smtClean="0"/>
-              <a:t>7/30/2021</a:t>
+              <a:t>8/1/2021</a:t>
             </a:fld>
             <a:endParaRPr lang="en-US"/>
           </a:p>
@@ -2265,7 +2714,7 @@
           <a:p>
             <a:fld id="{52B491D6-D58D-44B5-AD9D-0243D7ABB41E}" type="datetimeFigureOut">
               <a:rPr lang="en-US" smtClean="0"/>
-              <a:t>7/30/2021</a:t>
+              <a:t>8/1/2021</a:t>
             </a:fld>
             <a:endParaRPr lang="en-US"/>
           </a:p>
@@ -2576,7 +3025,7 @@
           <a:p>
             <a:fld id="{52B491D6-D58D-44B5-AD9D-0243D7ABB41E}" type="datetimeFigureOut">
               <a:rPr lang="en-US" smtClean="0"/>
-              <a:t>7/30/2021</a:t>
+              <a:t>8/1/2021</a:t>
             </a:fld>
             <a:endParaRPr lang="en-US"/>
           </a:p>
@@ -2864,7 +3313,7 @@
           <a:p>
             <a:fld id="{52B491D6-D58D-44B5-AD9D-0243D7ABB41E}" type="datetimeFigureOut">
               <a:rPr lang="en-US" smtClean="0"/>
-              <a:t>7/30/2021</a:t>
+              <a:t>8/1/2021</a:t>
             </a:fld>
             <a:endParaRPr lang="en-US"/>
           </a:p>
@@ -3105,7 +3554,7 @@
           <a:p>
             <a:fld id="{52B491D6-D58D-44B5-AD9D-0243D7ABB41E}" type="datetimeFigureOut">
               <a:rPr lang="en-US" smtClean="0"/>
-              <a:t>7/30/2021</a:t>
+              <a:t>8/1/2021</a:t>
             </a:fld>
             <a:endParaRPr lang="en-US"/>
           </a:p>
@@ -3584,6 +4033,1177 @@
     <p:extLst>
       <p:ext uri="{BB962C8B-B14F-4D97-AF65-F5344CB8AC3E}">
         <p14:creationId xmlns:p14="http://schemas.microsoft.com/office/powerpoint/2010/main" val="3859728968"/>
+      </p:ext>
+    </p:extLst>
+  </p:cSld>
+  <p:clrMapOvr>
+    <a:masterClrMapping/>
+  </p:clrMapOvr>
+</p:sld>
+</file>
+
+<file path=ppt/slides/slide10.xml><?xml version="1.0" encoding="utf-8"?>
+<p:sld xmlns:a="http://schemas.openxmlformats.org/drawingml/2006/main" xmlns:r="http://schemas.openxmlformats.org/officeDocument/2006/relationships" xmlns:p="http://schemas.openxmlformats.org/presentationml/2006/main">
+  <p:cSld>
+    <p:spTree>
+      <p:nvGrpSpPr>
+        <p:cNvPr id="1" name=""/>
+        <p:cNvGrpSpPr/>
+        <p:nvPr/>
+      </p:nvGrpSpPr>
+      <p:grpSpPr>
+        <a:xfrm>
+          <a:off x="0" y="0"/>
+          <a:ext cx="0" cy="0"/>
+          <a:chOff x="0" y="0"/>
+          <a:chExt cx="0" cy="0"/>
+        </a:xfrm>
+      </p:grpSpPr>
+      <p:sp>
+        <p:nvSpPr>
+          <p:cNvPr id="4" name="Title 3">
+            <a:extLst>
+              <a:ext uri="{FF2B5EF4-FFF2-40B4-BE49-F238E27FC236}">
+                <a16:creationId xmlns:a16="http://schemas.microsoft.com/office/drawing/2014/main" id="{29F19EDD-7557-46E7-A1F2-21844D42873D}"/>
+              </a:ext>
+            </a:extLst>
+          </p:cNvPr>
+          <p:cNvSpPr>
+            <a:spLocks noGrp="1"/>
+          </p:cNvSpPr>
+          <p:nvPr>
+            <p:ph type="title"/>
+          </p:nvPr>
+        </p:nvSpPr>
+        <p:spPr/>
+        <p:txBody>
+          <a:bodyPr/>
+          <a:lstStyle/>
+          <a:p>
+            <a:endParaRPr lang="en-US" dirty="0"/>
+          </a:p>
+        </p:txBody>
+      </p:sp>
+      <p:sp>
+        <p:nvSpPr>
+          <p:cNvPr id="5" name="Content Placeholder 4">
+            <a:extLst>
+              <a:ext uri="{FF2B5EF4-FFF2-40B4-BE49-F238E27FC236}">
+                <a16:creationId xmlns:a16="http://schemas.microsoft.com/office/drawing/2014/main" id="{0E3FF0E7-106D-4955-A34B-B90F92E95DF1}"/>
+              </a:ext>
+            </a:extLst>
+          </p:cNvPr>
+          <p:cNvSpPr>
+            <a:spLocks noGrp="1"/>
+          </p:cNvSpPr>
+          <p:nvPr>
+            <p:ph idx="1"/>
+          </p:nvPr>
+        </p:nvSpPr>
+        <p:spPr/>
+        <p:txBody>
+          <a:bodyPr/>
+          <a:lstStyle/>
+          <a:p>
+            <a:endParaRPr lang="en-US"/>
+          </a:p>
+        </p:txBody>
+      </p:sp>
+    </p:spTree>
+    <p:extLst>
+      <p:ext uri="{BB962C8B-B14F-4D97-AF65-F5344CB8AC3E}">
+        <p14:creationId xmlns:p14="http://schemas.microsoft.com/office/powerpoint/2010/main" val="2149051378"/>
+      </p:ext>
+    </p:extLst>
+  </p:cSld>
+  <p:clrMapOvr>
+    <a:masterClrMapping/>
+  </p:clrMapOvr>
+</p:sld>
+</file>
+
+<file path=ppt/slides/slide11.xml><?xml version="1.0" encoding="utf-8"?>
+<p:sld xmlns:a="http://schemas.openxmlformats.org/drawingml/2006/main" xmlns:r="http://schemas.openxmlformats.org/officeDocument/2006/relationships" xmlns:p="http://schemas.openxmlformats.org/presentationml/2006/main">
+  <p:cSld>
+    <p:spTree>
+      <p:nvGrpSpPr>
+        <p:cNvPr id="1" name=""/>
+        <p:cNvGrpSpPr/>
+        <p:nvPr/>
+      </p:nvGrpSpPr>
+      <p:grpSpPr>
+        <a:xfrm>
+          <a:off x="0" y="0"/>
+          <a:ext cx="0" cy="0"/>
+          <a:chOff x="0" y="0"/>
+          <a:chExt cx="0" cy="0"/>
+        </a:xfrm>
+      </p:grpSpPr>
+      <p:sp>
+        <p:nvSpPr>
+          <p:cNvPr id="4" name="Title 3">
+            <a:extLst>
+              <a:ext uri="{FF2B5EF4-FFF2-40B4-BE49-F238E27FC236}">
+                <a16:creationId xmlns:a16="http://schemas.microsoft.com/office/drawing/2014/main" id="{5AFB4EC9-1E18-4C62-86B8-CF490AF9A606}"/>
+              </a:ext>
+            </a:extLst>
+          </p:cNvPr>
+          <p:cNvSpPr>
+            <a:spLocks noGrp="1"/>
+          </p:cNvSpPr>
+          <p:nvPr>
+            <p:ph type="title"/>
+          </p:nvPr>
+        </p:nvSpPr>
+        <p:spPr/>
+        <p:txBody>
+          <a:bodyPr/>
+          <a:lstStyle/>
+          <a:p>
+            <a:r>
+              <a:rPr lang="en-US" dirty="0"/>
+              <a:t>Components Explained</a:t>
+            </a:r>
+          </a:p>
+        </p:txBody>
+      </p:sp>
+      <p:sp>
+        <p:nvSpPr>
+          <p:cNvPr id="2" name="Text Placeholder 1">
+            <a:extLst>
+              <a:ext uri="{FF2B5EF4-FFF2-40B4-BE49-F238E27FC236}">
+                <a16:creationId xmlns:a16="http://schemas.microsoft.com/office/drawing/2014/main" id="{51CEBB37-7890-4502-81E6-D05C040CDFA0}"/>
+              </a:ext>
+            </a:extLst>
+          </p:cNvPr>
+          <p:cNvSpPr>
+            <a:spLocks noGrp="1"/>
+          </p:cNvSpPr>
+          <p:nvPr>
+            <p:ph type="body" idx="1"/>
+          </p:nvPr>
+        </p:nvSpPr>
+        <p:spPr/>
+        <p:txBody>
+          <a:bodyPr/>
+          <a:lstStyle/>
+          <a:p>
+            <a:r>
+              <a:rPr lang="en-US" dirty="0" err="1"/>
+              <a:t>VueJS</a:t>
+            </a:r>
+            <a:endParaRPr lang="en-US" dirty="0"/>
+          </a:p>
+        </p:txBody>
+      </p:sp>
+    </p:spTree>
+    <p:extLst>
+      <p:ext uri="{BB962C8B-B14F-4D97-AF65-F5344CB8AC3E}">
+        <p14:creationId xmlns:p14="http://schemas.microsoft.com/office/powerpoint/2010/main" val="2807440337"/>
+      </p:ext>
+    </p:extLst>
+  </p:cSld>
+  <p:clrMapOvr>
+    <a:masterClrMapping/>
+  </p:clrMapOvr>
+</p:sld>
+</file>
+
+<file path=ppt/slides/slide12.xml><?xml version="1.0" encoding="utf-8"?>
+<p:sld xmlns:a="http://schemas.openxmlformats.org/drawingml/2006/main" xmlns:r="http://schemas.openxmlformats.org/officeDocument/2006/relationships" xmlns:p="http://schemas.openxmlformats.org/presentationml/2006/main">
+  <p:cSld>
+    <p:spTree>
+      <p:nvGrpSpPr>
+        <p:cNvPr id="1" name=""/>
+        <p:cNvGrpSpPr/>
+        <p:nvPr/>
+      </p:nvGrpSpPr>
+      <p:grpSpPr>
+        <a:xfrm>
+          <a:off x="0" y="0"/>
+          <a:ext cx="0" cy="0"/>
+          <a:chOff x="0" y="0"/>
+          <a:chExt cx="0" cy="0"/>
+        </a:xfrm>
+      </p:grpSpPr>
+      <p:sp>
+        <p:nvSpPr>
+          <p:cNvPr id="2" name="Title 1">
+            <a:extLst>
+              <a:ext uri="{FF2B5EF4-FFF2-40B4-BE49-F238E27FC236}">
+                <a16:creationId xmlns:a16="http://schemas.microsoft.com/office/drawing/2014/main" id="{F3B68461-98A6-49EB-9B76-CAD2782FF560}"/>
+              </a:ext>
+            </a:extLst>
+          </p:cNvPr>
+          <p:cNvSpPr>
+            <a:spLocks noGrp="1"/>
+          </p:cNvSpPr>
+          <p:nvPr>
+            <p:ph type="title"/>
+          </p:nvPr>
+        </p:nvSpPr>
+        <p:spPr/>
+        <p:txBody>
+          <a:bodyPr/>
+          <a:lstStyle/>
+          <a:p>
+            <a:r>
+              <a:rPr lang="en-US" dirty="0"/>
+              <a:t>Let’s Build a “List” Component</a:t>
+            </a:r>
+          </a:p>
+        </p:txBody>
+      </p:sp>
+      <p:pic>
+        <p:nvPicPr>
+          <p:cNvPr id="7" name="Content Placeholder 6">
+            <a:extLst>
+              <a:ext uri="{FF2B5EF4-FFF2-40B4-BE49-F238E27FC236}">
+                <a16:creationId xmlns:a16="http://schemas.microsoft.com/office/drawing/2014/main" id="{AFD58213-32DA-4BE9-BAD1-715649F6007F}"/>
+              </a:ext>
+            </a:extLst>
+          </p:cNvPr>
+          <p:cNvPicPr>
+            <a:picLocks noGrp="1" noChangeAspect="1"/>
+          </p:cNvPicPr>
+          <p:nvPr>
+            <p:ph idx="1"/>
+          </p:nvPr>
+        </p:nvPicPr>
+        <p:blipFill>
+          <a:blip r:embed="rId2"/>
+          <a:stretch>
+            <a:fillRect/>
+          </a:stretch>
+        </p:blipFill>
+        <p:spPr>
+          <a:xfrm>
+            <a:off x="2691219" y="1825625"/>
+            <a:ext cx="6809561" cy="4351338"/>
+          </a:xfrm>
+        </p:spPr>
+      </p:pic>
+    </p:spTree>
+    <p:extLst>
+      <p:ext uri="{BB962C8B-B14F-4D97-AF65-F5344CB8AC3E}">
+        <p14:creationId xmlns:p14="http://schemas.microsoft.com/office/powerpoint/2010/main" val="2957088688"/>
+      </p:ext>
+    </p:extLst>
+  </p:cSld>
+  <p:clrMapOvr>
+    <a:masterClrMapping/>
+  </p:clrMapOvr>
+</p:sld>
+</file>
+
+<file path=ppt/slides/slide13.xml><?xml version="1.0" encoding="utf-8"?>
+<p:sld xmlns:a="http://schemas.openxmlformats.org/drawingml/2006/main" xmlns:r="http://schemas.openxmlformats.org/officeDocument/2006/relationships" xmlns:p="http://schemas.openxmlformats.org/presentationml/2006/main">
+  <p:cSld>
+    <p:spTree>
+      <p:nvGrpSpPr>
+        <p:cNvPr id="1" name=""/>
+        <p:cNvGrpSpPr/>
+        <p:nvPr/>
+      </p:nvGrpSpPr>
+      <p:grpSpPr>
+        <a:xfrm>
+          <a:off x="0" y="0"/>
+          <a:ext cx="0" cy="0"/>
+          <a:chOff x="0" y="0"/>
+          <a:chExt cx="0" cy="0"/>
+        </a:xfrm>
+      </p:grpSpPr>
+      <p:sp>
+        <p:nvSpPr>
+          <p:cNvPr id="4" name="Title 3">
+            <a:extLst>
+              <a:ext uri="{FF2B5EF4-FFF2-40B4-BE49-F238E27FC236}">
+                <a16:creationId xmlns:a16="http://schemas.microsoft.com/office/drawing/2014/main" id="{D61287CE-5794-4E4E-AE1D-74DE261AC104}"/>
+              </a:ext>
+            </a:extLst>
+          </p:cNvPr>
+          <p:cNvSpPr>
+            <a:spLocks noGrp="1"/>
+          </p:cNvSpPr>
+          <p:nvPr>
+            <p:ph type="title"/>
+          </p:nvPr>
+        </p:nvSpPr>
+        <p:spPr/>
+        <p:txBody>
+          <a:bodyPr/>
+          <a:lstStyle/>
+          <a:p>
+            <a:r>
+              <a:rPr lang="en-US" dirty="0"/>
+              <a:t>Template</a:t>
+            </a:r>
+          </a:p>
+        </p:txBody>
+      </p:sp>
+      <p:pic>
+        <p:nvPicPr>
+          <p:cNvPr id="9" name="Content Placeholder 8">
+            <a:extLst>
+              <a:ext uri="{FF2B5EF4-FFF2-40B4-BE49-F238E27FC236}">
+                <a16:creationId xmlns:a16="http://schemas.microsoft.com/office/drawing/2014/main" id="{A98A519B-8B69-417E-B7DF-9F7A266F0E54}"/>
+              </a:ext>
+            </a:extLst>
+          </p:cNvPr>
+          <p:cNvPicPr>
+            <a:picLocks noGrp="1" noChangeAspect="1"/>
+          </p:cNvPicPr>
+          <p:nvPr>
+            <p:ph sz="half" idx="2"/>
+          </p:nvPr>
+        </p:nvPicPr>
+        <p:blipFill>
+          <a:blip r:embed="rId2"/>
+          <a:stretch>
+            <a:fillRect/>
+          </a:stretch>
+        </p:blipFill>
+        <p:spPr>
+          <a:xfrm>
+            <a:off x="6172200" y="2332976"/>
+            <a:ext cx="5181600" cy="3336636"/>
+          </a:xfrm>
+        </p:spPr>
+      </p:pic>
+      <p:pic>
+        <p:nvPicPr>
+          <p:cNvPr id="13" name="Content Placeholder 12">
+            <a:extLst>
+              <a:ext uri="{FF2B5EF4-FFF2-40B4-BE49-F238E27FC236}">
+                <a16:creationId xmlns:a16="http://schemas.microsoft.com/office/drawing/2014/main" id="{7CAC740D-D205-4338-A14C-A1208E75F050}"/>
+              </a:ext>
+            </a:extLst>
+          </p:cNvPr>
+          <p:cNvPicPr>
+            <a:picLocks noGrp="1" noChangeAspect="1"/>
+          </p:cNvPicPr>
+          <p:nvPr>
+            <p:ph sz="half" idx="1"/>
+          </p:nvPr>
+        </p:nvPicPr>
+        <p:blipFill>
+          <a:blip r:embed="rId3"/>
+          <a:stretch>
+            <a:fillRect/>
+          </a:stretch>
+        </p:blipFill>
+        <p:spPr>
+          <a:xfrm>
+            <a:off x="838200" y="2636018"/>
+            <a:ext cx="5181600" cy="2730552"/>
+          </a:xfrm>
+        </p:spPr>
+      </p:pic>
+    </p:spTree>
+    <p:extLst>
+      <p:ext uri="{BB962C8B-B14F-4D97-AF65-F5344CB8AC3E}">
+        <p14:creationId xmlns:p14="http://schemas.microsoft.com/office/powerpoint/2010/main" val="3484179783"/>
+      </p:ext>
+    </p:extLst>
+  </p:cSld>
+  <p:clrMapOvr>
+    <a:masterClrMapping/>
+  </p:clrMapOvr>
+</p:sld>
+</file>
+
+<file path=ppt/slides/slide14.xml><?xml version="1.0" encoding="utf-8"?>
+<p:sld xmlns:a="http://schemas.openxmlformats.org/drawingml/2006/main" xmlns:r="http://schemas.openxmlformats.org/officeDocument/2006/relationships" xmlns:p="http://schemas.openxmlformats.org/presentationml/2006/main">
+  <p:cSld>
+    <p:spTree>
+      <p:nvGrpSpPr>
+        <p:cNvPr id="1" name=""/>
+        <p:cNvGrpSpPr/>
+        <p:nvPr/>
+      </p:nvGrpSpPr>
+      <p:grpSpPr>
+        <a:xfrm>
+          <a:off x="0" y="0"/>
+          <a:ext cx="0" cy="0"/>
+          <a:chOff x="0" y="0"/>
+          <a:chExt cx="0" cy="0"/>
+        </a:xfrm>
+      </p:grpSpPr>
+      <p:sp>
+        <p:nvSpPr>
+          <p:cNvPr id="4" name="Title 3">
+            <a:extLst>
+              <a:ext uri="{FF2B5EF4-FFF2-40B4-BE49-F238E27FC236}">
+                <a16:creationId xmlns:a16="http://schemas.microsoft.com/office/drawing/2014/main" id="{D61287CE-5794-4E4E-AE1D-74DE261AC104}"/>
+              </a:ext>
+            </a:extLst>
+          </p:cNvPr>
+          <p:cNvSpPr>
+            <a:spLocks noGrp="1"/>
+          </p:cNvSpPr>
+          <p:nvPr>
+            <p:ph type="title"/>
+          </p:nvPr>
+        </p:nvSpPr>
+        <p:spPr/>
+        <p:txBody>
+          <a:bodyPr/>
+          <a:lstStyle/>
+          <a:p>
+            <a:r>
+              <a:rPr lang="en-US" dirty="0"/>
+              <a:t>Code</a:t>
+            </a:r>
+          </a:p>
+        </p:txBody>
+      </p:sp>
+      <p:pic>
+        <p:nvPicPr>
+          <p:cNvPr id="9" name="Content Placeholder 8">
+            <a:extLst>
+              <a:ext uri="{FF2B5EF4-FFF2-40B4-BE49-F238E27FC236}">
+                <a16:creationId xmlns:a16="http://schemas.microsoft.com/office/drawing/2014/main" id="{A98A519B-8B69-417E-B7DF-9F7A266F0E54}"/>
+              </a:ext>
+            </a:extLst>
+          </p:cNvPr>
+          <p:cNvPicPr>
+            <a:picLocks noGrp="1" noChangeAspect="1"/>
+          </p:cNvPicPr>
+          <p:nvPr>
+            <p:ph sz="half" idx="2"/>
+          </p:nvPr>
+        </p:nvPicPr>
+        <p:blipFill>
+          <a:blip r:embed="rId2"/>
+          <a:stretch>
+            <a:fillRect/>
+          </a:stretch>
+        </p:blipFill>
+        <p:spPr>
+          <a:xfrm>
+            <a:off x="6172200" y="2332976"/>
+            <a:ext cx="5181600" cy="3336636"/>
+          </a:xfrm>
+        </p:spPr>
+      </p:pic>
+      <p:pic>
+        <p:nvPicPr>
+          <p:cNvPr id="10" name="Content Placeholder 9">
+            <a:extLst>
+              <a:ext uri="{FF2B5EF4-FFF2-40B4-BE49-F238E27FC236}">
+                <a16:creationId xmlns:a16="http://schemas.microsoft.com/office/drawing/2014/main" id="{3E1B67A2-BC38-4C12-BBBA-D92376723802}"/>
+              </a:ext>
+            </a:extLst>
+          </p:cNvPr>
+          <p:cNvPicPr>
+            <a:picLocks noGrp="1" noChangeAspect="1"/>
+          </p:cNvPicPr>
+          <p:nvPr>
+            <p:ph sz="half" idx="1"/>
+          </p:nvPr>
+        </p:nvPicPr>
+        <p:blipFill>
+          <a:blip r:embed="rId3"/>
+          <a:stretch>
+            <a:fillRect/>
+          </a:stretch>
+        </p:blipFill>
+        <p:spPr>
+          <a:xfrm>
+            <a:off x="838200" y="2636018"/>
+            <a:ext cx="5181600" cy="2730552"/>
+          </a:xfrm>
+        </p:spPr>
+      </p:pic>
+      <p:cxnSp>
+        <p:nvCxnSpPr>
+          <p:cNvPr id="12" name="Straight Arrow Connector 11">
+            <a:extLst>
+              <a:ext uri="{FF2B5EF4-FFF2-40B4-BE49-F238E27FC236}">
+                <a16:creationId xmlns:a16="http://schemas.microsoft.com/office/drawing/2014/main" id="{1DA6A228-F196-491B-A726-80DB9BC2DDE4}"/>
+              </a:ext>
+            </a:extLst>
+          </p:cNvPr>
+          <p:cNvCxnSpPr/>
+          <p:nvPr/>
+        </p:nvCxnSpPr>
+        <p:spPr>
+          <a:xfrm>
+            <a:off x="2954215" y="4059534"/>
+            <a:ext cx="3537020" cy="281354"/>
+          </a:xfrm>
+          <a:prstGeom prst="straightConnector1">
+            <a:avLst/>
+          </a:prstGeom>
+          <a:ln w="57150">
+            <a:tailEnd type="triangle"/>
+          </a:ln>
+        </p:spPr>
+        <p:style>
+          <a:lnRef idx="1">
+            <a:schemeClr val="accent1"/>
+          </a:lnRef>
+          <a:fillRef idx="0">
+            <a:schemeClr val="accent1"/>
+          </a:fillRef>
+          <a:effectRef idx="0">
+            <a:schemeClr val="accent1"/>
+          </a:effectRef>
+          <a:fontRef idx="minor">
+            <a:schemeClr val="tx1"/>
+          </a:fontRef>
+        </p:style>
+      </p:cxnSp>
+      <p:cxnSp>
+        <p:nvCxnSpPr>
+          <p:cNvPr id="14" name="Straight Arrow Connector 13">
+            <a:extLst>
+              <a:ext uri="{FF2B5EF4-FFF2-40B4-BE49-F238E27FC236}">
+                <a16:creationId xmlns:a16="http://schemas.microsoft.com/office/drawing/2014/main" id="{E6B3AB92-351C-4CB7-96C3-D0530615F118}"/>
+              </a:ext>
+            </a:extLst>
+          </p:cNvPr>
+          <p:cNvCxnSpPr/>
+          <p:nvPr/>
+        </p:nvCxnSpPr>
+        <p:spPr>
+          <a:xfrm flipV="1">
+            <a:off x="3175279" y="3326004"/>
+            <a:ext cx="3667648" cy="924449"/>
+          </a:xfrm>
+          <a:prstGeom prst="straightConnector1">
+            <a:avLst/>
+          </a:prstGeom>
+          <a:ln w="57150">
+            <a:tailEnd type="triangle"/>
+          </a:ln>
+        </p:spPr>
+        <p:style>
+          <a:lnRef idx="1">
+            <a:schemeClr val="accent2"/>
+          </a:lnRef>
+          <a:fillRef idx="0">
+            <a:schemeClr val="accent2"/>
+          </a:fillRef>
+          <a:effectRef idx="0">
+            <a:schemeClr val="accent2"/>
+          </a:effectRef>
+          <a:fontRef idx="minor">
+            <a:schemeClr val="tx1"/>
+          </a:fontRef>
+        </p:style>
+      </p:cxnSp>
+    </p:spTree>
+    <p:extLst>
+      <p:ext uri="{BB962C8B-B14F-4D97-AF65-F5344CB8AC3E}">
+        <p14:creationId xmlns:p14="http://schemas.microsoft.com/office/powerpoint/2010/main" val="924965508"/>
+      </p:ext>
+    </p:extLst>
+  </p:cSld>
+  <p:clrMapOvr>
+    <a:masterClrMapping/>
+  </p:clrMapOvr>
+</p:sld>
+</file>
+
+<file path=ppt/slides/slide15.xml><?xml version="1.0" encoding="utf-8"?>
+<p:sld xmlns:a="http://schemas.openxmlformats.org/drawingml/2006/main" xmlns:r="http://schemas.openxmlformats.org/officeDocument/2006/relationships" xmlns:p="http://schemas.openxmlformats.org/presentationml/2006/main">
+  <p:cSld>
+    <p:spTree>
+      <p:nvGrpSpPr>
+        <p:cNvPr id="1" name=""/>
+        <p:cNvGrpSpPr/>
+        <p:nvPr/>
+      </p:nvGrpSpPr>
+      <p:grpSpPr>
+        <a:xfrm>
+          <a:off x="0" y="0"/>
+          <a:ext cx="0" cy="0"/>
+          <a:chOff x="0" y="0"/>
+          <a:chExt cx="0" cy="0"/>
+        </a:xfrm>
+      </p:grpSpPr>
+      <p:sp>
+        <p:nvSpPr>
+          <p:cNvPr id="2" name="Title 1">
+            <a:extLst>
+              <a:ext uri="{FF2B5EF4-FFF2-40B4-BE49-F238E27FC236}">
+                <a16:creationId xmlns:a16="http://schemas.microsoft.com/office/drawing/2014/main" id="{E9CE29D3-0A7F-455F-A187-981E07A06060}"/>
+              </a:ext>
+            </a:extLst>
+          </p:cNvPr>
+          <p:cNvSpPr>
+            <a:spLocks noGrp="1"/>
+          </p:cNvSpPr>
+          <p:nvPr>
+            <p:ph type="title"/>
+          </p:nvPr>
+        </p:nvSpPr>
+        <p:spPr/>
+        <p:txBody>
+          <a:bodyPr/>
+          <a:lstStyle/>
+          <a:p>
+            <a:r>
+              <a:rPr lang="en-US" dirty="0"/>
+              <a:t>v-model</a:t>
+            </a:r>
+          </a:p>
+        </p:txBody>
+      </p:sp>
+      <p:sp>
+        <p:nvSpPr>
+          <p:cNvPr id="3" name="Content Placeholder 2">
+            <a:extLst>
+              <a:ext uri="{FF2B5EF4-FFF2-40B4-BE49-F238E27FC236}">
+                <a16:creationId xmlns:a16="http://schemas.microsoft.com/office/drawing/2014/main" id="{1C057E95-5420-4093-A6AC-04B0626AC68C}"/>
+              </a:ext>
+            </a:extLst>
+          </p:cNvPr>
+          <p:cNvSpPr>
+            <a:spLocks noGrp="1"/>
+          </p:cNvSpPr>
+          <p:nvPr>
+            <p:ph sz="half" idx="1"/>
+          </p:nvPr>
+        </p:nvSpPr>
+        <p:spPr/>
+        <p:txBody>
+          <a:bodyPr/>
+          <a:lstStyle/>
+          <a:p>
+            <a:r>
+              <a:rPr lang="en-US" dirty="0"/>
+              <a:t>Provides a basis for </a:t>
+            </a:r>
+          </a:p>
+        </p:txBody>
+      </p:sp>
+      <p:pic>
+        <p:nvPicPr>
+          <p:cNvPr id="14" name="Content Placeholder 13">
+            <a:extLst>
+              <a:ext uri="{FF2B5EF4-FFF2-40B4-BE49-F238E27FC236}">
+                <a16:creationId xmlns:a16="http://schemas.microsoft.com/office/drawing/2014/main" id="{9589A337-560C-4F30-B0C0-B7095C5F1CD3}"/>
+              </a:ext>
+            </a:extLst>
+          </p:cNvPr>
+          <p:cNvPicPr>
+            <a:picLocks noGrp="1" noChangeAspect="1"/>
+          </p:cNvPicPr>
+          <p:nvPr>
+            <p:ph sz="half" idx="2"/>
+          </p:nvPr>
+        </p:nvPicPr>
+        <p:blipFill>
+          <a:blip r:embed="rId2"/>
+          <a:stretch>
+            <a:fillRect/>
+          </a:stretch>
+        </p:blipFill>
+        <p:spPr>
+          <a:xfrm>
+            <a:off x="6172200" y="2636018"/>
+            <a:ext cx="5181600" cy="2730552"/>
+          </a:xfrm>
+        </p:spPr>
+      </p:pic>
+    </p:spTree>
+    <p:extLst>
+      <p:ext uri="{BB962C8B-B14F-4D97-AF65-F5344CB8AC3E}">
+        <p14:creationId xmlns:p14="http://schemas.microsoft.com/office/powerpoint/2010/main" val="3290273553"/>
+      </p:ext>
+    </p:extLst>
+  </p:cSld>
+  <p:clrMapOvr>
+    <a:masterClrMapping/>
+  </p:clrMapOvr>
+</p:sld>
+</file>
+
+<file path=ppt/slides/slide16.xml><?xml version="1.0" encoding="utf-8"?>
+<p:sld xmlns:a="http://schemas.openxmlformats.org/drawingml/2006/main" xmlns:r="http://schemas.openxmlformats.org/officeDocument/2006/relationships" xmlns:p="http://schemas.openxmlformats.org/presentationml/2006/main">
+  <p:cSld>
+    <p:spTree>
+      <p:nvGrpSpPr>
+        <p:cNvPr id="1" name=""/>
+        <p:cNvGrpSpPr/>
+        <p:nvPr/>
+      </p:nvGrpSpPr>
+      <p:grpSpPr>
+        <a:xfrm>
+          <a:off x="0" y="0"/>
+          <a:ext cx="0" cy="0"/>
+          <a:chOff x="0" y="0"/>
+          <a:chExt cx="0" cy="0"/>
+        </a:xfrm>
+      </p:grpSpPr>
+      <p:sp>
+        <p:nvSpPr>
+          <p:cNvPr id="2" name="Title 1">
+            <a:extLst>
+              <a:ext uri="{FF2B5EF4-FFF2-40B4-BE49-F238E27FC236}">
+                <a16:creationId xmlns:a16="http://schemas.microsoft.com/office/drawing/2014/main" id="{74016B3F-8B21-4915-A3DE-E5F8036D760F}"/>
+              </a:ext>
+            </a:extLst>
+          </p:cNvPr>
+          <p:cNvSpPr>
+            <a:spLocks noGrp="1"/>
+          </p:cNvSpPr>
+          <p:nvPr>
+            <p:ph type="title"/>
+          </p:nvPr>
+        </p:nvSpPr>
+        <p:spPr/>
+        <p:txBody>
+          <a:bodyPr/>
+          <a:lstStyle/>
+          <a:p>
+            <a:r>
+              <a:rPr lang="en-US" dirty="0"/>
+              <a:t>v-for</a:t>
+            </a:r>
+          </a:p>
+        </p:txBody>
+      </p:sp>
+      <p:sp>
+        <p:nvSpPr>
+          <p:cNvPr id="5" name="Content Placeholder 4">
+            <a:extLst>
+              <a:ext uri="{FF2B5EF4-FFF2-40B4-BE49-F238E27FC236}">
+                <a16:creationId xmlns:a16="http://schemas.microsoft.com/office/drawing/2014/main" id="{7D0955F3-8DD3-4EB9-8B06-E13B9F71416A}"/>
+              </a:ext>
+            </a:extLst>
+          </p:cNvPr>
+          <p:cNvSpPr>
+            <a:spLocks noGrp="1"/>
+          </p:cNvSpPr>
+          <p:nvPr>
+            <p:ph sz="half" idx="2"/>
+          </p:nvPr>
+        </p:nvSpPr>
+        <p:spPr/>
+        <p:txBody>
+          <a:bodyPr/>
+          <a:lstStyle/>
+          <a:p>
+            <a:r>
+              <a:rPr lang="en-US" dirty="0"/>
+              <a:t>Similar to a for-each loop</a:t>
+            </a:r>
+          </a:p>
+          <a:p>
+            <a:endParaRPr lang="en-US" dirty="0"/>
+          </a:p>
+          <a:p>
+            <a:r>
+              <a:rPr lang="en-US" dirty="0"/>
+              <a:t>Iterates over an array of objects, returning the object and also it’s position in the array (index). </a:t>
+            </a:r>
+          </a:p>
+        </p:txBody>
+      </p:sp>
+      <p:pic>
+        <p:nvPicPr>
+          <p:cNvPr id="13" name="Content Placeholder 12">
+            <a:extLst>
+              <a:ext uri="{FF2B5EF4-FFF2-40B4-BE49-F238E27FC236}">
+                <a16:creationId xmlns:a16="http://schemas.microsoft.com/office/drawing/2014/main" id="{B3FC535E-89D9-4C68-B196-1551DC326A09}"/>
+              </a:ext>
+            </a:extLst>
+          </p:cNvPr>
+          <p:cNvPicPr>
+            <a:picLocks noGrp="1" noChangeAspect="1"/>
+          </p:cNvPicPr>
+          <p:nvPr>
+            <p:ph sz="half" idx="1"/>
+          </p:nvPr>
+        </p:nvPicPr>
+        <p:blipFill>
+          <a:blip r:embed="rId2"/>
+          <a:stretch>
+            <a:fillRect/>
+          </a:stretch>
+        </p:blipFill>
+        <p:spPr>
+          <a:xfrm>
+            <a:off x="838200" y="2899011"/>
+            <a:ext cx="5181600" cy="2204566"/>
+          </a:xfrm>
+        </p:spPr>
+      </p:pic>
+    </p:spTree>
+    <p:extLst>
+      <p:ext uri="{BB962C8B-B14F-4D97-AF65-F5344CB8AC3E}">
+        <p14:creationId xmlns:p14="http://schemas.microsoft.com/office/powerpoint/2010/main" val="3935839844"/>
+      </p:ext>
+    </p:extLst>
+  </p:cSld>
+  <p:clrMapOvr>
+    <a:masterClrMapping/>
+  </p:clrMapOvr>
+</p:sld>
+</file>
+
+<file path=ppt/slides/slide17.xml><?xml version="1.0" encoding="utf-8"?>
+<p:sld xmlns:a="http://schemas.openxmlformats.org/drawingml/2006/main" xmlns:r="http://schemas.openxmlformats.org/officeDocument/2006/relationships" xmlns:p="http://schemas.openxmlformats.org/presentationml/2006/main">
+  <p:cSld>
+    <p:spTree>
+      <p:nvGrpSpPr>
+        <p:cNvPr id="1" name=""/>
+        <p:cNvGrpSpPr/>
+        <p:nvPr/>
+      </p:nvGrpSpPr>
+      <p:grpSpPr>
+        <a:xfrm>
+          <a:off x="0" y="0"/>
+          <a:ext cx="0" cy="0"/>
+          <a:chOff x="0" y="0"/>
+          <a:chExt cx="0" cy="0"/>
+        </a:xfrm>
+      </p:grpSpPr>
+      <p:sp>
+        <p:nvSpPr>
+          <p:cNvPr id="2" name="Title 1">
+            <a:extLst>
+              <a:ext uri="{FF2B5EF4-FFF2-40B4-BE49-F238E27FC236}">
+                <a16:creationId xmlns:a16="http://schemas.microsoft.com/office/drawing/2014/main" id="{74016B3F-8B21-4915-A3DE-E5F8036D760F}"/>
+              </a:ext>
+            </a:extLst>
+          </p:cNvPr>
+          <p:cNvSpPr>
+            <a:spLocks noGrp="1"/>
+          </p:cNvSpPr>
+          <p:nvPr>
+            <p:ph type="title"/>
+          </p:nvPr>
+        </p:nvSpPr>
+        <p:spPr/>
+        <p:txBody>
+          <a:bodyPr/>
+          <a:lstStyle/>
+          <a:p>
+            <a:r>
+              <a:rPr lang="en-US" dirty="0"/>
+              <a:t>v-for</a:t>
+            </a:r>
+          </a:p>
+        </p:txBody>
+      </p:sp>
+      <p:sp>
+        <p:nvSpPr>
+          <p:cNvPr id="5" name="Content Placeholder 4">
+            <a:extLst>
+              <a:ext uri="{FF2B5EF4-FFF2-40B4-BE49-F238E27FC236}">
+                <a16:creationId xmlns:a16="http://schemas.microsoft.com/office/drawing/2014/main" id="{7D0955F3-8DD3-4EB9-8B06-E13B9F71416A}"/>
+              </a:ext>
+            </a:extLst>
+          </p:cNvPr>
+          <p:cNvSpPr>
+            <a:spLocks noGrp="1"/>
+          </p:cNvSpPr>
+          <p:nvPr>
+            <p:ph sz="half" idx="2"/>
+          </p:nvPr>
+        </p:nvSpPr>
+        <p:spPr/>
+        <p:txBody>
+          <a:bodyPr/>
+          <a:lstStyle/>
+          <a:p>
+            <a:r>
+              <a:rPr lang="en-US" dirty="0"/>
+              <a:t>The “:key” binding is used by Vue for change tracking.</a:t>
+            </a:r>
+          </a:p>
+          <a:p>
+            <a:endParaRPr lang="en-US" dirty="0"/>
+          </a:p>
+          <a:p>
+            <a:r>
+              <a:rPr lang="en-US" dirty="0"/>
+              <a:t>You could also say “</a:t>
+            </a:r>
+            <a:r>
+              <a:rPr lang="en-US" dirty="0" err="1"/>
+              <a:t>v-bind:key</a:t>
+            </a:r>
+            <a:r>
+              <a:rPr lang="en-US" dirty="0"/>
+              <a:t>” to mean the same thing!</a:t>
+            </a:r>
+          </a:p>
+        </p:txBody>
+      </p:sp>
+      <p:pic>
+        <p:nvPicPr>
+          <p:cNvPr id="13" name="Content Placeholder 12">
+            <a:extLst>
+              <a:ext uri="{FF2B5EF4-FFF2-40B4-BE49-F238E27FC236}">
+                <a16:creationId xmlns:a16="http://schemas.microsoft.com/office/drawing/2014/main" id="{B3FC535E-89D9-4C68-B196-1551DC326A09}"/>
+              </a:ext>
+            </a:extLst>
+          </p:cNvPr>
+          <p:cNvPicPr>
+            <a:picLocks noGrp="1" noChangeAspect="1"/>
+          </p:cNvPicPr>
+          <p:nvPr>
+            <p:ph sz="half" idx="1"/>
+          </p:nvPr>
+        </p:nvPicPr>
+        <p:blipFill>
+          <a:blip r:embed="rId2"/>
+          <a:stretch>
+            <a:fillRect/>
+          </a:stretch>
+        </p:blipFill>
+        <p:spPr>
+          <a:xfrm>
+            <a:off x="838200" y="2899011"/>
+            <a:ext cx="5181600" cy="2204566"/>
+          </a:xfrm>
+        </p:spPr>
+      </p:pic>
+    </p:spTree>
+    <p:extLst>
+      <p:ext uri="{BB962C8B-B14F-4D97-AF65-F5344CB8AC3E}">
+        <p14:creationId xmlns:p14="http://schemas.microsoft.com/office/powerpoint/2010/main" val="2775783651"/>
+      </p:ext>
+    </p:extLst>
+  </p:cSld>
+  <p:clrMapOvr>
+    <a:masterClrMapping/>
+  </p:clrMapOvr>
+</p:sld>
+</file>
+
+<file path=ppt/slides/slide18.xml><?xml version="1.0" encoding="utf-8"?>
+<p:sld xmlns:a="http://schemas.openxmlformats.org/drawingml/2006/main" xmlns:r="http://schemas.openxmlformats.org/officeDocument/2006/relationships" xmlns:p="http://schemas.openxmlformats.org/presentationml/2006/main">
+  <p:cSld>
+    <p:spTree>
+      <p:nvGrpSpPr>
+        <p:cNvPr id="1" name=""/>
+        <p:cNvGrpSpPr/>
+        <p:nvPr/>
+      </p:nvGrpSpPr>
+      <p:grpSpPr>
+        <a:xfrm>
+          <a:off x="0" y="0"/>
+          <a:ext cx="0" cy="0"/>
+          <a:chOff x="0" y="0"/>
+          <a:chExt cx="0" cy="0"/>
+        </a:xfrm>
+      </p:grpSpPr>
+      <p:sp>
+        <p:nvSpPr>
+          <p:cNvPr id="2" name="Title 1">
+            <a:extLst>
+              <a:ext uri="{FF2B5EF4-FFF2-40B4-BE49-F238E27FC236}">
+                <a16:creationId xmlns:a16="http://schemas.microsoft.com/office/drawing/2014/main" id="{74016B3F-8B21-4915-A3DE-E5F8036D760F}"/>
+              </a:ext>
+            </a:extLst>
+          </p:cNvPr>
+          <p:cNvSpPr>
+            <a:spLocks noGrp="1"/>
+          </p:cNvSpPr>
+          <p:nvPr>
+            <p:ph type="title"/>
+          </p:nvPr>
+        </p:nvSpPr>
+        <p:spPr/>
+        <p:txBody>
+          <a:bodyPr/>
+          <a:lstStyle/>
+          <a:p>
+            <a:r>
+              <a:rPr lang="en-US" dirty="0"/>
+              <a:t>{{ template syntax }}</a:t>
+            </a:r>
+          </a:p>
+        </p:txBody>
+      </p:sp>
+      <p:sp>
+        <p:nvSpPr>
+          <p:cNvPr id="5" name="Content Placeholder 4">
+            <a:extLst>
+              <a:ext uri="{FF2B5EF4-FFF2-40B4-BE49-F238E27FC236}">
+                <a16:creationId xmlns:a16="http://schemas.microsoft.com/office/drawing/2014/main" id="{7D0955F3-8DD3-4EB9-8B06-E13B9F71416A}"/>
+              </a:ext>
+            </a:extLst>
+          </p:cNvPr>
+          <p:cNvSpPr>
+            <a:spLocks noGrp="1"/>
+          </p:cNvSpPr>
+          <p:nvPr>
+            <p:ph sz="half" idx="2"/>
+          </p:nvPr>
+        </p:nvSpPr>
+        <p:spPr/>
+        <p:txBody>
+          <a:bodyPr/>
+          <a:lstStyle/>
+          <a:p>
+            <a:r>
+              <a:rPr lang="en-US" dirty="0"/>
+              <a:t>Handlebars {{ }} are used to dynamically insert content from the component model into the template</a:t>
+            </a:r>
+          </a:p>
+          <a:p>
+            <a:endParaRPr lang="en-US" dirty="0"/>
+          </a:p>
+          <a:p>
+            <a:endParaRPr lang="en-US" dirty="0"/>
+          </a:p>
+        </p:txBody>
+      </p:sp>
+      <p:pic>
+        <p:nvPicPr>
+          <p:cNvPr id="13" name="Content Placeholder 12">
+            <a:extLst>
+              <a:ext uri="{FF2B5EF4-FFF2-40B4-BE49-F238E27FC236}">
+                <a16:creationId xmlns:a16="http://schemas.microsoft.com/office/drawing/2014/main" id="{B3FC535E-89D9-4C68-B196-1551DC326A09}"/>
+              </a:ext>
+            </a:extLst>
+          </p:cNvPr>
+          <p:cNvPicPr>
+            <a:picLocks noGrp="1" noChangeAspect="1"/>
+          </p:cNvPicPr>
+          <p:nvPr>
+            <p:ph sz="half" idx="1"/>
+          </p:nvPr>
+        </p:nvPicPr>
+        <p:blipFill>
+          <a:blip r:embed="rId2"/>
+          <a:stretch>
+            <a:fillRect/>
+          </a:stretch>
+        </p:blipFill>
+        <p:spPr>
+          <a:xfrm>
+            <a:off x="838200" y="2899011"/>
+            <a:ext cx="5181600" cy="2204566"/>
+          </a:xfrm>
+        </p:spPr>
+      </p:pic>
+    </p:spTree>
+    <p:extLst>
+      <p:ext uri="{BB962C8B-B14F-4D97-AF65-F5344CB8AC3E}">
+        <p14:creationId xmlns:p14="http://schemas.microsoft.com/office/powerpoint/2010/main" val="165717787"/>
+      </p:ext>
+    </p:extLst>
+  </p:cSld>
+  <p:clrMapOvr>
+    <a:masterClrMapping/>
+  </p:clrMapOvr>
+</p:sld>
+</file>
+
+<file path=ppt/slides/slide19.xml><?xml version="1.0" encoding="utf-8"?>
+<p:sld xmlns:a="http://schemas.openxmlformats.org/drawingml/2006/main" xmlns:r="http://schemas.openxmlformats.org/officeDocument/2006/relationships" xmlns:p="http://schemas.openxmlformats.org/presentationml/2006/main">
+  <p:cSld>
+    <p:spTree>
+      <p:nvGrpSpPr>
+        <p:cNvPr id="1" name=""/>
+        <p:cNvGrpSpPr/>
+        <p:nvPr/>
+      </p:nvGrpSpPr>
+      <p:grpSpPr>
+        <a:xfrm>
+          <a:off x="0" y="0"/>
+          <a:ext cx="0" cy="0"/>
+          <a:chOff x="0" y="0"/>
+          <a:chExt cx="0" cy="0"/>
+        </a:xfrm>
+      </p:grpSpPr>
+      <p:sp>
+        <p:nvSpPr>
+          <p:cNvPr id="2" name="Title 1">
+            <a:extLst>
+              <a:ext uri="{FF2B5EF4-FFF2-40B4-BE49-F238E27FC236}">
+                <a16:creationId xmlns:a16="http://schemas.microsoft.com/office/drawing/2014/main" id="{39A2F1DC-827E-486D-8F7C-0C10080401D9}"/>
+              </a:ext>
+            </a:extLst>
+          </p:cNvPr>
+          <p:cNvSpPr>
+            <a:spLocks noGrp="1"/>
+          </p:cNvSpPr>
+          <p:nvPr>
+            <p:ph type="title"/>
+          </p:nvPr>
+        </p:nvSpPr>
+        <p:spPr/>
+        <p:txBody>
+          <a:bodyPr/>
+          <a:lstStyle/>
+          <a:p>
+            <a:r>
+              <a:rPr lang="en-US" dirty="0"/>
+              <a:t>Methods</a:t>
+            </a:r>
+          </a:p>
+        </p:txBody>
+      </p:sp>
+      <p:sp>
+        <p:nvSpPr>
+          <p:cNvPr id="3" name="Content Placeholder 2">
+            <a:extLst>
+              <a:ext uri="{FF2B5EF4-FFF2-40B4-BE49-F238E27FC236}">
+                <a16:creationId xmlns:a16="http://schemas.microsoft.com/office/drawing/2014/main" id="{2F05F660-3071-4BC2-8D9C-B97908EDF1E1}"/>
+              </a:ext>
+            </a:extLst>
+          </p:cNvPr>
+          <p:cNvSpPr>
+            <a:spLocks noGrp="1"/>
+          </p:cNvSpPr>
+          <p:nvPr>
+            <p:ph sz="half" idx="1"/>
+          </p:nvPr>
+        </p:nvSpPr>
+        <p:spPr/>
+        <p:txBody>
+          <a:bodyPr/>
+          <a:lstStyle/>
+          <a:p>
+            <a:r>
+              <a:rPr lang="en-US" dirty="0"/>
+              <a:t>Methods allow you to create event handlers that can be called directly from your templates.</a:t>
+            </a:r>
+          </a:p>
+        </p:txBody>
+      </p:sp>
+      <p:pic>
+        <p:nvPicPr>
+          <p:cNvPr id="6" name="Content Placeholder 5">
+            <a:extLst>
+              <a:ext uri="{FF2B5EF4-FFF2-40B4-BE49-F238E27FC236}">
+                <a16:creationId xmlns:a16="http://schemas.microsoft.com/office/drawing/2014/main" id="{D363BD9F-3BE7-4BE1-A961-EAAD07B4BB8B}"/>
+              </a:ext>
+            </a:extLst>
+          </p:cNvPr>
+          <p:cNvPicPr>
+            <a:picLocks noGrp="1" noChangeAspect="1"/>
+          </p:cNvPicPr>
+          <p:nvPr>
+            <p:ph sz="half" idx="2"/>
+          </p:nvPr>
+        </p:nvPicPr>
+        <p:blipFill>
+          <a:blip r:embed="rId2"/>
+          <a:stretch>
+            <a:fillRect/>
+          </a:stretch>
+        </p:blipFill>
+        <p:spPr>
+          <a:xfrm>
+            <a:off x="6172200" y="2430323"/>
+            <a:ext cx="5181600" cy="3141941"/>
+          </a:xfrm>
+        </p:spPr>
+      </p:pic>
+    </p:spTree>
+    <p:extLst>
+      <p:ext uri="{BB962C8B-B14F-4D97-AF65-F5344CB8AC3E}">
+        <p14:creationId xmlns:p14="http://schemas.microsoft.com/office/powerpoint/2010/main" val="1126114387"/>
       </p:ext>
     </p:extLst>
   </p:cSld>
@@ -4220,6 +5840,376 @@
 </p:sld>
 </file>
 
+<file path=ppt/slides/slide20.xml><?xml version="1.0" encoding="utf-8"?>
+<p:sld xmlns:a="http://schemas.openxmlformats.org/drawingml/2006/main" xmlns:r="http://schemas.openxmlformats.org/officeDocument/2006/relationships" xmlns:p="http://schemas.openxmlformats.org/presentationml/2006/main">
+  <p:cSld>
+    <p:spTree>
+      <p:nvGrpSpPr>
+        <p:cNvPr id="1" name=""/>
+        <p:cNvGrpSpPr/>
+        <p:nvPr/>
+      </p:nvGrpSpPr>
+      <p:grpSpPr>
+        <a:xfrm>
+          <a:off x="0" y="0"/>
+          <a:ext cx="0" cy="0"/>
+          <a:chOff x="0" y="0"/>
+          <a:chExt cx="0" cy="0"/>
+        </a:xfrm>
+      </p:grpSpPr>
+      <p:sp>
+        <p:nvSpPr>
+          <p:cNvPr id="2" name="Title 1">
+            <a:extLst>
+              <a:ext uri="{FF2B5EF4-FFF2-40B4-BE49-F238E27FC236}">
+                <a16:creationId xmlns:a16="http://schemas.microsoft.com/office/drawing/2014/main" id="{39A2F1DC-827E-486D-8F7C-0C10080401D9}"/>
+              </a:ext>
+            </a:extLst>
+          </p:cNvPr>
+          <p:cNvSpPr>
+            <a:spLocks noGrp="1"/>
+          </p:cNvSpPr>
+          <p:nvPr>
+            <p:ph type="title"/>
+          </p:nvPr>
+        </p:nvSpPr>
+        <p:spPr/>
+        <p:txBody>
+          <a:bodyPr/>
+          <a:lstStyle/>
+          <a:p>
+            <a:r>
+              <a:rPr lang="en-US" dirty="0"/>
+              <a:t>Methods</a:t>
+            </a:r>
+          </a:p>
+        </p:txBody>
+      </p:sp>
+      <p:pic>
+        <p:nvPicPr>
+          <p:cNvPr id="5" name="Content Placeholder 4">
+            <a:extLst>
+              <a:ext uri="{FF2B5EF4-FFF2-40B4-BE49-F238E27FC236}">
+                <a16:creationId xmlns:a16="http://schemas.microsoft.com/office/drawing/2014/main" id="{5F120647-64A1-4DB9-BF14-2FEA6E50A303}"/>
+              </a:ext>
+            </a:extLst>
+          </p:cNvPr>
+          <p:cNvPicPr>
+            <a:picLocks noGrp="1" noChangeAspect="1"/>
+          </p:cNvPicPr>
+          <p:nvPr>
+            <p:ph sz="half" idx="1"/>
+          </p:nvPr>
+        </p:nvPicPr>
+        <p:blipFill>
+          <a:blip r:embed="rId2"/>
+          <a:stretch>
+            <a:fillRect/>
+          </a:stretch>
+        </p:blipFill>
+        <p:spPr>
+          <a:xfrm>
+            <a:off x="838200" y="2899011"/>
+            <a:ext cx="5181600" cy="2204566"/>
+          </a:xfrm>
+        </p:spPr>
+      </p:pic>
+      <p:pic>
+        <p:nvPicPr>
+          <p:cNvPr id="6" name="Content Placeholder 5">
+            <a:extLst>
+              <a:ext uri="{FF2B5EF4-FFF2-40B4-BE49-F238E27FC236}">
+                <a16:creationId xmlns:a16="http://schemas.microsoft.com/office/drawing/2014/main" id="{D363BD9F-3BE7-4BE1-A961-EAAD07B4BB8B}"/>
+              </a:ext>
+            </a:extLst>
+          </p:cNvPr>
+          <p:cNvPicPr>
+            <a:picLocks noGrp="1" noChangeAspect="1"/>
+          </p:cNvPicPr>
+          <p:nvPr>
+            <p:ph sz="half" idx="2"/>
+          </p:nvPr>
+        </p:nvPicPr>
+        <p:blipFill>
+          <a:blip r:embed="rId3"/>
+          <a:stretch>
+            <a:fillRect/>
+          </a:stretch>
+        </p:blipFill>
+        <p:spPr>
+          <a:xfrm>
+            <a:off x="6172200" y="2430323"/>
+            <a:ext cx="5181600" cy="3141941"/>
+          </a:xfrm>
+        </p:spPr>
+      </p:pic>
+      <p:cxnSp>
+        <p:nvCxnSpPr>
+          <p:cNvPr id="8" name="Straight Arrow Connector 7">
+            <a:extLst>
+              <a:ext uri="{FF2B5EF4-FFF2-40B4-BE49-F238E27FC236}">
+                <a16:creationId xmlns:a16="http://schemas.microsoft.com/office/drawing/2014/main" id="{70849410-BB44-4C41-B69D-A202F2FEBF1E}"/>
+              </a:ext>
+            </a:extLst>
+          </p:cNvPr>
+          <p:cNvCxnSpPr>
+            <a:cxnSpLocks/>
+          </p:cNvCxnSpPr>
+          <p:nvPr/>
+        </p:nvCxnSpPr>
+        <p:spPr>
+          <a:xfrm>
+            <a:off x="2803490" y="3989196"/>
+            <a:ext cx="3808325" cy="351692"/>
+          </a:xfrm>
+          <a:prstGeom prst="straightConnector1">
+            <a:avLst/>
+          </a:prstGeom>
+          <a:ln w="57150">
+            <a:tailEnd type="triangle"/>
+          </a:ln>
+        </p:spPr>
+        <p:style>
+          <a:lnRef idx="1">
+            <a:schemeClr val="accent2"/>
+          </a:lnRef>
+          <a:fillRef idx="0">
+            <a:schemeClr val="accent2"/>
+          </a:fillRef>
+          <a:effectRef idx="0">
+            <a:schemeClr val="accent2"/>
+          </a:effectRef>
+          <a:fontRef idx="minor">
+            <a:schemeClr val="tx1"/>
+          </a:fontRef>
+        </p:style>
+      </p:cxnSp>
+    </p:spTree>
+    <p:extLst>
+      <p:ext uri="{BB962C8B-B14F-4D97-AF65-F5344CB8AC3E}">
+        <p14:creationId xmlns:p14="http://schemas.microsoft.com/office/powerpoint/2010/main" val="1576252531"/>
+      </p:ext>
+    </p:extLst>
+  </p:cSld>
+  <p:clrMapOvr>
+    <a:masterClrMapping/>
+  </p:clrMapOvr>
+</p:sld>
+</file>
+
+<file path=ppt/slides/slide21.xml><?xml version="1.0" encoding="utf-8"?>
+<p:sld xmlns:a="http://schemas.openxmlformats.org/drawingml/2006/main" xmlns:r="http://schemas.openxmlformats.org/officeDocument/2006/relationships" xmlns:p="http://schemas.openxmlformats.org/presentationml/2006/main">
+  <p:cSld>
+    <p:spTree>
+      <p:nvGrpSpPr>
+        <p:cNvPr id="1" name=""/>
+        <p:cNvGrpSpPr/>
+        <p:nvPr/>
+      </p:nvGrpSpPr>
+      <p:grpSpPr>
+        <a:xfrm>
+          <a:off x="0" y="0"/>
+          <a:ext cx="0" cy="0"/>
+          <a:chOff x="0" y="0"/>
+          <a:chExt cx="0" cy="0"/>
+        </a:xfrm>
+      </p:grpSpPr>
+      <p:sp>
+        <p:nvSpPr>
+          <p:cNvPr id="2" name="Title 1">
+            <a:extLst>
+              <a:ext uri="{FF2B5EF4-FFF2-40B4-BE49-F238E27FC236}">
+                <a16:creationId xmlns:a16="http://schemas.microsoft.com/office/drawing/2014/main" id="{396E8D6E-C0AB-44A7-A98D-844F72EBFD2A}"/>
+              </a:ext>
+            </a:extLst>
+          </p:cNvPr>
+          <p:cNvSpPr>
+            <a:spLocks noGrp="1"/>
+          </p:cNvSpPr>
+          <p:nvPr>
+            <p:ph type="title"/>
+          </p:nvPr>
+        </p:nvSpPr>
+        <p:spPr/>
+        <p:txBody>
+          <a:bodyPr/>
+          <a:lstStyle/>
+          <a:p>
+            <a:r>
+              <a:rPr lang="en-US" dirty="0"/>
+              <a:t>Demo</a:t>
+            </a:r>
+          </a:p>
+        </p:txBody>
+      </p:sp>
+      <p:sp>
+        <p:nvSpPr>
+          <p:cNvPr id="3" name="Text Placeholder 2">
+            <a:extLst>
+              <a:ext uri="{FF2B5EF4-FFF2-40B4-BE49-F238E27FC236}">
+                <a16:creationId xmlns:a16="http://schemas.microsoft.com/office/drawing/2014/main" id="{CE3E8774-84E4-4254-8E7C-EB56350D7D65}"/>
+              </a:ext>
+            </a:extLst>
+          </p:cNvPr>
+          <p:cNvSpPr>
+            <a:spLocks noGrp="1"/>
+          </p:cNvSpPr>
+          <p:nvPr>
+            <p:ph type="body" idx="1"/>
+          </p:nvPr>
+        </p:nvSpPr>
+        <p:spPr/>
+        <p:txBody>
+          <a:bodyPr/>
+          <a:lstStyle/>
+          <a:p>
+            <a:r>
+              <a:rPr lang="en-US" dirty="0"/>
+              <a:t>Custom Components</a:t>
+            </a:r>
+          </a:p>
+        </p:txBody>
+      </p:sp>
+    </p:spTree>
+    <p:extLst>
+      <p:ext uri="{BB962C8B-B14F-4D97-AF65-F5344CB8AC3E}">
+        <p14:creationId xmlns:p14="http://schemas.microsoft.com/office/powerpoint/2010/main" val="1632529428"/>
+      </p:ext>
+    </p:extLst>
+  </p:cSld>
+  <p:clrMapOvr>
+    <a:masterClrMapping/>
+  </p:clrMapOvr>
+</p:sld>
+</file>
+
+<file path=ppt/slides/slide22.xml><?xml version="1.0" encoding="utf-8"?>
+<p:sld xmlns:a="http://schemas.openxmlformats.org/drawingml/2006/main" xmlns:r="http://schemas.openxmlformats.org/officeDocument/2006/relationships" xmlns:p="http://schemas.openxmlformats.org/presentationml/2006/main">
+  <p:cSld>
+    <p:spTree>
+      <p:nvGrpSpPr>
+        <p:cNvPr id="1" name=""/>
+        <p:cNvGrpSpPr/>
+        <p:nvPr/>
+      </p:nvGrpSpPr>
+      <p:grpSpPr>
+        <a:xfrm>
+          <a:off x="0" y="0"/>
+          <a:ext cx="0" cy="0"/>
+          <a:chOff x="0" y="0"/>
+          <a:chExt cx="0" cy="0"/>
+        </a:xfrm>
+      </p:grpSpPr>
+      <p:sp>
+        <p:nvSpPr>
+          <p:cNvPr id="2" name="Title 1">
+            <a:extLst>
+              <a:ext uri="{FF2B5EF4-FFF2-40B4-BE49-F238E27FC236}">
+                <a16:creationId xmlns:a16="http://schemas.microsoft.com/office/drawing/2014/main" id="{396E8D6E-C0AB-44A7-A98D-844F72EBFD2A}"/>
+              </a:ext>
+            </a:extLst>
+          </p:cNvPr>
+          <p:cNvSpPr>
+            <a:spLocks noGrp="1"/>
+          </p:cNvSpPr>
+          <p:nvPr>
+            <p:ph type="title"/>
+          </p:nvPr>
+        </p:nvSpPr>
+        <p:spPr/>
+        <p:txBody>
+          <a:bodyPr/>
+          <a:lstStyle/>
+          <a:p>
+            <a:r>
+              <a:rPr lang="en-US" dirty="0"/>
+              <a:t>Hands On Lab: Custom Components</a:t>
+            </a:r>
+          </a:p>
+        </p:txBody>
+      </p:sp>
+      <p:sp>
+        <p:nvSpPr>
+          <p:cNvPr id="4" name="Content Placeholder 3">
+            <a:extLst>
+              <a:ext uri="{FF2B5EF4-FFF2-40B4-BE49-F238E27FC236}">
+                <a16:creationId xmlns:a16="http://schemas.microsoft.com/office/drawing/2014/main" id="{B2627E44-DADC-41F8-84F2-546245FDFA27}"/>
+              </a:ext>
+            </a:extLst>
+          </p:cNvPr>
+          <p:cNvSpPr>
+            <a:spLocks noGrp="1"/>
+          </p:cNvSpPr>
+          <p:nvPr>
+            <p:ph idx="1"/>
+          </p:nvPr>
+        </p:nvSpPr>
+        <p:spPr/>
+        <p:txBody>
+          <a:bodyPr>
+            <a:normAutofit lnSpcReduction="10000"/>
+          </a:bodyPr>
+          <a:lstStyle/>
+          <a:p>
+            <a:r>
+              <a:rPr lang="en-US" dirty="0"/>
+              <a:t>If you haven’t already, pull the latest GitHub repo for this workshop</a:t>
+            </a:r>
+          </a:p>
+          <a:p>
+            <a:endParaRPr lang="en-US" dirty="0"/>
+          </a:p>
+          <a:p>
+            <a:r>
+              <a:rPr lang="en-US" dirty="0"/>
+              <a:t>Go to the “/exercises/2_Custom Components” folder and open the README.md.</a:t>
+            </a:r>
+          </a:p>
+          <a:p>
+            <a:endParaRPr lang="en-US" dirty="0"/>
+          </a:p>
+          <a:p>
+            <a:pPr marL="0" indent="0">
+              <a:buNone/>
+            </a:pPr>
+            <a:endParaRPr lang="en-US" dirty="0"/>
+          </a:p>
+          <a:p>
+            <a:pPr marL="0" indent="0">
+              <a:buNone/>
+            </a:pPr>
+            <a:endParaRPr lang="en-US" dirty="0"/>
+          </a:p>
+          <a:p>
+            <a:pPr marL="0" indent="0">
+              <a:buNone/>
+            </a:pPr>
+            <a:endParaRPr lang="en-US" dirty="0"/>
+          </a:p>
+          <a:p>
+            <a:pPr marL="0" indent="0">
+              <a:buNone/>
+            </a:pPr>
+            <a:r>
+              <a:rPr lang="en-US" dirty="0"/>
+              <a:t>Length: 15 minutes</a:t>
+            </a:r>
+          </a:p>
+        </p:txBody>
+      </p:sp>
+    </p:spTree>
+    <p:extLst>
+      <p:ext uri="{BB962C8B-B14F-4D97-AF65-F5344CB8AC3E}">
+        <p14:creationId xmlns:p14="http://schemas.microsoft.com/office/powerpoint/2010/main" val="3380115907"/>
+      </p:ext>
+    </p:extLst>
+  </p:cSld>
+  <p:clrMapOvr>
+    <a:masterClrMapping/>
+  </p:clrMapOvr>
+</p:sld>
+</file>
+
 <file path=ppt/slides/slide3.xml><?xml version="1.0" encoding="utf-8"?>
 <p:sld xmlns:a="http://schemas.openxmlformats.org/drawingml/2006/main" xmlns:r="http://schemas.openxmlformats.org/officeDocument/2006/relationships" xmlns:p="http://schemas.openxmlformats.org/presentationml/2006/main">
   <p:cSld>
@@ -4981,7 +6971,7 @@
           <a:p>
             <a:r>
               <a:rPr lang="en-US" dirty="0"/>
-              <a:t>Components Explained</a:t>
+              <a:t>Vue v2 vs Vue v3</a:t>
             </a:r>
           </a:p>
         </p:txBody>
@@ -5007,17 +6997,14 @@
           <a:bodyPr/>
           <a:lstStyle/>
           <a:p>
-            <a:r>
-              <a:rPr lang="en-US"/>
-              <a:t>Vue.JS</a:t>
-            </a:r>
+            <a:endParaRPr lang="en-US" dirty="0"/>
           </a:p>
         </p:txBody>
       </p:sp>
     </p:spTree>
     <p:extLst>
       <p:ext uri="{BB962C8B-B14F-4D97-AF65-F5344CB8AC3E}">
-        <p14:creationId xmlns:p14="http://schemas.microsoft.com/office/powerpoint/2010/main" val="2807440337"/>
+        <p14:creationId xmlns:p14="http://schemas.microsoft.com/office/powerpoint/2010/main" val="1061739849"/>
       </p:ext>
     </p:extLst>
   </p:cSld>
@@ -5320,4 +7307,299 @@
     </a:ext>
   </a:extLst>
 </a:theme>
+</file>
+
+<file path=ppt/theme/theme2.xml><?xml version="1.0" encoding="utf-8"?>
+<a:theme xmlns:a="http://schemas.openxmlformats.org/drawingml/2006/main" name="Office Theme">
+  <a:themeElements>
+    <a:clrScheme name="Office">
+      <a:dk1>
+        <a:sysClr val="windowText" lastClr="000000"/>
+      </a:dk1>
+      <a:lt1>
+        <a:sysClr val="window" lastClr="FFFFFF"/>
+      </a:lt1>
+      <a:dk2>
+        <a:srgbClr val="44546A"/>
+      </a:dk2>
+      <a:lt2>
+        <a:srgbClr val="E7E6E6"/>
+      </a:lt2>
+      <a:accent1>
+        <a:srgbClr val="4472C4"/>
+      </a:accent1>
+      <a:accent2>
+        <a:srgbClr val="ED7D31"/>
+      </a:accent2>
+      <a:accent3>
+        <a:srgbClr val="A5A5A5"/>
+      </a:accent3>
+      <a:accent4>
+        <a:srgbClr val="FFC000"/>
+      </a:accent4>
+      <a:accent5>
+        <a:srgbClr val="5B9BD5"/>
+      </a:accent5>
+      <a:accent6>
+        <a:srgbClr val="70AD47"/>
+      </a:accent6>
+      <a:hlink>
+        <a:srgbClr val="0563C1"/>
+      </a:hlink>
+      <a:folHlink>
+        <a:srgbClr val="954F72"/>
+      </a:folHlink>
+    </a:clrScheme>
+    <a:fontScheme name="Office">
+      <a:majorFont>
+        <a:latin typeface="Calibri Light" panose="020F0302020204030204"/>
+        <a:ea typeface=""/>
+        <a:cs typeface=""/>
+        <a:font script="Jpan" typeface="游ゴシック Light"/>
+        <a:font script="Hang" typeface="맑은 고딕"/>
+        <a:font script="Hans" typeface="等线 Light"/>
+        <a:font script="Hant" typeface="新細明體"/>
+        <a:font script="Arab" typeface="Times New Roman"/>
+        <a:font script="Hebr" typeface="Times New Roman"/>
+        <a:font script="Thai" typeface="Angsana New"/>
+        <a:font script="Ethi" typeface="Nyala"/>
+        <a:font script="Beng" typeface="Vrinda"/>
+        <a:font script="Gujr" typeface="Shruti"/>
+        <a:font script="Khmr" typeface="MoolBoran"/>
+        <a:font script="Knda" typeface="Tunga"/>
+        <a:font script="Guru" typeface="Raavi"/>
+        <a:font script="Cans" typeface="Euphemia"/>
+        <a:font script="Cher" typeface="Plantagenet Cherokee"/>
+        <a:font script="Yiii" typeface="Microsoft Yi Baiti"/>
+        <a:font script="Tibt" typeface="Microsoft Himalaya"/>
+        <a:font script="Thaa" typeface="MV Boli"/>
+        <a:font script="Deva" typeface="Mangal"/>
+        <a:font script="Telu" typeface="Gautami"/>
+        <a:font script="Taml" typeface="Latha"/>
+        <a:font script="Syrc" typeface="Estrangelo Edessa"/>
+        <a:font script="Orya" typeface="Kalinga"/>
+        <a:font script="Mlym" typeface="Kartika"/>
+        <a:font script="Laoo" typeface="DokChampa"/>
+        <a:font script="Sinh" typeface="Iskoola Pota"/>
+        <a:font script="Mong" typeface="Mongolian Baiti"/>
+        <a:font script="Viet" typeface="Times New Roman"/>
+        <a:font script="Uigh" typeface="Microsoft Uighur"/>
+        <a:font script="Geor" typeface="Sylfaen"/>
+        <a:font script="Armn" typeface="Arial"/>
+        <a:font script="Bugi" typeface="Leelawadee UI"/>
+        <a:font script="Bopo" typeface="Microsoft JhengHei"/>
+        <a:font script="Java" typeface="Javanese Text"/>
+        <a:font script="Lisu" typeface="Segoe UI"/>
+        <a:font script="Mymr" typeface="Myanmar Text"/>
+        <a:font script="Nkoo" typeface="Ebrima"/>
+        <a:font script="Olck" typeface="Nirmala UI"/>
+        <a:font script="Osma" typeface="Ebrima"/>
+        <a:font script="Phag" typeface="Phagspa"/>
+        <a:font script="Syrn" typeface="Estrangelo Edessa"/>
+        <a:font script="Syrj" typeface="Estrangelo Edessa"/>
+        <a:font script="Syre" typeface="Estrangelo Edessa"/>
+        <a:font script="Sora" typeface="Nirmala UI"/>
+        <a:font script="Tale" typeface="Microsoft Tai Le"/>
+        <a:font script="Talu" typeface="Microsoft New Tai Lue"/>
+        <a:font script="Tfng" typeface="Ebrima"/>
+      </a:majorFont>
+      <a:minorFont>
+        <a:latin typeface="Calibri" panose="020F0502020204030204"/>
+        <a:ea typeface=""/>
+        <a:cs typeface=""/>
+        <a:font script="Jpan" typeface="游ゴシック"/>
+        <a:font script="Hang" typeface="맑은 고딕"/>
+        <a:font script="Hans" typeface="等线"/>
+        <a:font script="Hant" typeface="新細明體"/>
+        <a:font script="Arab" typeface="Arial"/>
+        <a:font script="Hebr" typeface="Arial"/>
+        <a:font script="Thai" typeface="Cordia New"/>
+        <a:font script="Ethi" typeface="Nyala"/>
+        <a:font script="Beng" typeface="Vrinda"/>
+        <a:font script="Gujr" typeface="Shruti"/>
+        <a:font script="Khmr" typeface="DaunPenh"/>
+        <a:font script="Knda" typeface="Tunga"/>
+        <a:font script="Guru" typeface="Raavi"/>
+        <a:font script="Cans" typeface="Euphemia"/>
+        <a:font script="Cher" typeface="Plantagenet Cherokee"/>
+        <a:font script="Yiii" typeface="Microsoft Yi Baiti"/>
+        <a:font script="Tibt" typeface="Microsoft Himalaya"/>
+        <a:font script="Thaa" typeface="MV Boli"/>
+        <a:font script="Deva" typeface="Mangal"/>
+        <a:font script="Telu" typeface="Gautami"/>
+        <a:font script="Taml" typeface="Latha"/>
+        <a:font script="Syrc" typeface="Estrangelo Edessa"/>
+        <a:font script="Orya" typeface="Kalinga"/>
+        <a:font script="Mlym" typeface="Kartika"/>
+        <a:font script="Laoo" typeface="DokChampa"/>
+        <a:font script="Sinh" typeface="Iskoola Pota"/>
+        <a:font script="Mong" typeface="Mongolian Baiti"/>
+        <a:font script="Viet" typeface="Arial"/>
+        <a:font script="Uigh" typeface="Microsoft Uighur"/>
+        <a:font script="Geor" typeface="Sylfaen"/>
+        <a:font script="Armn" typeface="Arial"/>
+        <a:font script="Bugi" typeface="Leelawadee UI"/>
+        <a:font script="Bopo" typeface="Microsoft JhengHei"/>
+        <a:font script="Java" typeface="Javanese Text"/>
+        <a:font script="Lisu" typeface="Segoe UI"/>
+        <a:font script="Mymr" typeface="Myanmar Text"/>
+        <a:font script="Nkoo" typeface="Ebrima"/>
+        <a:font script="Olck" typeface="Nirmala UI"/>
+        <a:font script="Osma" typeface="Ebrima"/>
+        <a:font script="Phag" typeface="Phagspa"/>
+        <a:font script="Syrn" typeface="Estrangelo Edessa"/>
+        <a:font script="Syrj" typeface="Estrangelo Edessa"/>
+        <a:font script="Syre" typeface="Estrangelo Edessa"/>
+        <a:font script="Sora" typeface="Nirmala UI"/>
+        <a:font script="Tale" typeface="Microsoft Tai Le"/>
+        <a:font script="Talu" typeface="Microsoft New Tai Lue"/>
+        <a:font script="Tfng" typeface="Ebrima"/>
+      </a:minorFont>
+    </a:fontScheme>
+    <a:fmtScheme name="Office">
+      <a:fillStyleLst>
+        <a:solidFill>
+          <a:schemeClr val="phClr"/>
+        </a:solidFill>
+        <a:gradFill rotWithShape="1">
+          <a:gsLst>
+            <a:gs pos="0">
+              <a:schemeClr val="phClr">
+                <a:lumMod val="110000"/>
+                <a:satMod val="105000"/>
+                <a:tint val="67000"/>
+              </a:schemeClr>
+            </a:gs>
+            <a:gs pos="50000">
+              <a:schemeClr val="phClr">
+                <a:lumMod val="105000"/>
+                <a:satMod val="103000"/>
+                <a:tint val="73000"/>
+              </a:schemeClr>
+            </a:gs>
+            <a:gs pos="100000">
+              <a:schemeClr val="phClr">
+                <a:lumMod val="105000"/>
+                <a:satMod val="109000"/>
+                <a:tint val="81000"/>
+              </a:schemeClr>
+            </a:gs>
+          </a:gsLst>
+          <a:lin ang="5400000" scaled="0"/>
+        </a:gradFill>
+        <a:gradFill rotWithShape="1">
+          <a:gsLst>
+            <a:gs pos="0">
+              <a:schemeClr val="phClr">
+                <a:satMod val="103000"/>
+                <a:lumMod val="102000"/>
+                <a:tint val="94000"/>
+              </a:schemeClr>
+            </a:gs>
+            <a:gs pos="50000">
+              <a:schemeClr val="phClr">
+                <a:satMod val="110000"/>
+                <a:lumMod val="100000"/>
+                <a:shade val="100000"/>
+              </a:schemeClr>
+            </a:gs>
+            <a:gs pos="100000">
+              <a:schemeClr val="phClr">
+                <a:lumMod val="99000"/>
+                <a:satMod val="120000"/>
+                <a:shade val="78000"/>
+              </a:schemeClr>
+            </a:gs>
+          </a:gsLst>
+          <a:lin ang="5400000" scaled="0"/>
+        </a:gradFill>
+      </a:fillStyleLst>
+      <a:lnStyleLst>
+        <a:ln w="6350" cap="flat" cmpd="sng" algn="ctr">
+          <a:solidFill>
+            <a:schemeClr val="phClr"/>
+          </a:solidFill>
+          <a:prstDash val="solid"/>
+          <a:miter lim="800000"/>
+        </a:ln>
+        <a:ln w="12700" cap="flat" cmpd="sng" algn="ctr">
+          <a:solidFill>
+            <a:schemeClr val="phClr"/>
+          </a:solidFill>
+          <a:prstDash val="solid"/>
+          <a:miter lim="800000"/>
+        </a:ln>
+        <a:ln w="19050" cap="flat" cmpd="sng" algn="ctr">
+          <a:solidFill>
+            <a:schemeClr val="phClr"/>
+          </a:solidFill>
+          <a:prstDash val="solid"/>
+          <a:miter lim="800000"/>
+        </a:ln>
+      </a:lnStyleLst>
+      <a:effectStyleLst>
+        <a:effectStyle>
+          <a:effectLst/>
+        </a:effectStyle>
+        <a:effectStyle>
+          <a:effectLst/>
+        </a:effectStyle>
+        <a:effectStyle>
+          <a:effectLst>
+            <a:outerShdw blurRad="57150" dist="19050" dir="5400000" algn="ctr" rotWithShape="0">
+              <a:srgbClr val="000000">
+                <a:alpha val="63000"/>
+              </a:srgbClr>
+            </a:outerShdw>
+          </a:effectLst>
+        </a:effectStyle>
+      </a:effectStyleLst>
+      <a:bgFillStyleLst>
+        <a:solidFill>
+          <a:schemeClr val="phClr"/>
+        </a:solidFill>
+        <a:solidFill>
+          <a:schemeClr val="phClr">
+            <a:tint val="95000"/>
+            <a:satMod val="170000"/>
+          </a:schemeClr>
+        </a:solidFill>
+        <a:gradFill rotWithShape="1">
+          <a:gsLst>
+            <a:gs pos="0">
+              <a:schemeClr val="phClr">
+                <a:tint val="93000"/>
+                <a:satMod val="150000"/>
+                <a:shade val="98000"/>
+                <a:lumMod val="102000"/>
+              </a:schemeClr>
+            </a:gs>
+            <a:gs pos="50000">
+              <a:schemeClr val="phClr">
+                <a:tint val="98000"/>
+                <a:satMod val="130000"/>
+                <a:shade val="90000"/>
+                <a:lumMod val="103000"/>
+              </a:schemeClr>
+            </a:gs>
+            <a:gs pos="100000">
+              <a:schemeClr val="phClr">
+                <a:shade val="63000"/>
+                <a:satMod val="120000"/>
+              </a:schemeClr>
+            </a:gs>
+          </a:gsLst>
+          <a:lin ang="5400000" scaled="0"/>
+        </a:gradFill>
+      </a:bgFillStyleLst>
+    </a:fmtScheme>
+  </a:themeElements>
+  <a:objectDefaults/>
+  <a:extraClrSchemeLst/>
+  <a:extLst>
+    <a:ext uri="{05A4C25C-085E-4340-85A3-A5531E510DB2}">
+      <thm15:themeFamily xmlns:thm15="http://schemas.microsoft.com/office/thememl/2012/main" name="Office Theme" id="{62F939B6-93AF-4DB8-9C6B-D6C7DFDC589F}" vid="{4A3C46E8-61CC-4603-A589-7422A47A8E4A}"/>
+    </a:ext>
+  </a:extLst>
+</a:theme>
 </file>
--- a/Slides/2_VueJS.pptx
+++ b/Slides/2_VueJS.pptx
@@ -5,7 +5,7 @@
     <p:sldMasterId id="2147483648" r:id="rId1"/>
   </p:sldMasterIdLst>
   <p:notesMasterIdLst>
-    <p:notesMasterId r:id="rId24"/>
+    <p:notesMasterId r:id="rId27"/>
   </p:notesMasterIdLst>
   <p:sldIdLst>
     <p:sldId id="256" r:id="rId2"/>
@@ -30,6 +30,9 @@
     <p:sldId id="320" r:id="rId21"/>
     <p:sldId id="321" r:id="rId22"/>
     <p:sldId id="322" r:id="rId23"/>
+    <p:sldId id="323" r:id="rId24"/>
+    <p:sldId id="324" r:id="rId25"/>
+    <p:sldId id="325" r:id="rId26"/>
   </p:sldIdLst>
   <p:sldSz cx="12192000" cy="6858000"/>
   <p:notesSz cx="6858000" cy="9144000"/>
@@ -6201,6 +6204,255 @@
     <p:extLst>
       <p:ext uri="{BB962C8B-B14F-4D97-AF65-F5344CB8AC3E}">
         <p14:creationId xmlns:p14="http://schemas.microsoft.com/office/powerpoint/2010/main" val="3380115907"/>
+      </p:ext>
+    </p:extLst>
+  </p:cSld>
+  <p:clrMapOvr>
+    <a:masterClrMapping/>
+  </p:clrMapOvr>
+</p:sld>
+</file>
+
+<file path=ppt/slides/slide23.xml><?xml version="1.0" encoding="utf-8"?>
+<p:sld xmlns:a="http://schemas.openxmlformats.org/drawingml/2006/main" xmlns:r="http://schemas.openxmlformats.org/officeDocument/2006/relationships" xmlns:p="http://schemas.openxmlformats.org/presentationml/2006/main">
+  <p:cSld>
+    <p:spTree>
+      <p:nvGrpSpPr>
+        <p:cNvPr id="1" name=""/>
+        <p:cNvGrpSpPr/>
+        <p:nvPr/>
+      </p:nvGrpSpPr>
+      <p:grpSpPr>
+        <a:xfrm>
+          <a:off x="0" y="0"/>
+          <a:ext cx="0" cy="0"/>
+          <a:chOff x="0" y="0"/>
+          <a:chExt cx="0" cy="0"/>
+        </a:xfrm>
+      </p:grpSpPr>
+      <p:sp>
+        <p:nvSpPr>
+          <p:cNvPr id="2" name="Title 1">
+            <a:extLst>
+              <a:ext uri="{FF2B5EF4-FFF2-40B4-BE49-F238E27FC236}">
+                <a16:creationId xmlns:a16="http://schemas.microsoft.com/office/drawing/2014/main" id="{89D9AD23-86B2-4848-BDD1-3B3B367D8B93}"/>
+              </a:ext>
+            </a:extLst>
+          </p:cNvPr>
+          <p:cNvSpPr>
+            <a:spLocks noGrp="1"/>
+          </p:cNvSpPr>
+          <p:nvPr>
+            <p:ph type="title"/>
+          </p:nvPr>
+        </p:nvSpPr>
+        <p:spPr/>
+        <p:txBody>
+          <a:bodyPr/>
+          <a:lstStyle/>
+          <a:p>
+            <a:r>
+              <a:rPr lang="en-US" dirty="0"/>
+              <a:t>Computed Methods</a:t>
+            </a:r>
+          </a:p>
+        </p:txBody>
+      </p:sp>
+      <p:sp>
+        <p:nvSpPr>
+          <p:cNvPr id="3" name="Content Placeholder 2">
+            <a:extLst>
+              <a:ext uri="{FF2B5EF4-FFF2-40B4-BE49-F238E27FC236}">
+                <a16:creationId xmlns:a16="http://schemas.microsoft.com/office/drawing/2014/main" id="{0572CD19-1CCD-4A5A-BA80-A41644DFF5E3}"/>
+              </a:ext>
+            </a:extLst>
+          </p:cNvPr>
+          <p:cNvSpPr>
+            <a:spLocks noGrp="1"/>
+          </p:cNvSpPr>
+          <p:nvPr>
+            <p:ph idx="1"/>
+          </p:nvPr>
+        </p:nvSpPr>
+        <p:spPr/>
+        <p:txBody>
+          <a:bodyPr/>
+          <a:lstStyle/>
+          <a:p>
+            <a:endParaRPr lang="en-US"/>
+          </a:p>
+        </p:txBody>
+      </p:sp>
+    </p:spTree>
+    <p:extLst>
+      <p:ext uri="{BB962C8B-B14F-4D97-AF65-F5344CB8AC3E}">
+        <p14:creationId xmlns:p14="http://schemas.microsoft.com/office/powerpoint/2010/main" val="3146967475"/>
+      </p:ext>
+    </p:extLst>
+  </p:cSld>
+  <p:clrMapOvr>
+    <a:masterClrMapping/>
+  </p:clrMapOvr>
+</p:sld>
+</file>
+
+<file path=ppt/slides/slide24.xml><?xml version="1.0" encoding="utf-8"?>
+<p:sld xmlns:a="http://schemas.openxmlformats.org/drawingml/2006/main" xmlns:r="http://schemas.openxmlformats.org/officeDocument/2006/relationships" xmlns:p="http://schemas.openxmlformats.org/presentationml/2006/main">
+  <p:cSld>
+    <p:spTree>
+      <p:nvGrpSpPr>
+        <p:cNvPr id="1" name=""/>
+        <p:cNvGrpSpPr/>
+        <p:nvPr/>
+      </p:nvGrpSpPr>
+      <p:grpSpPr>
+        <a:xfrm>
+          <a:off x="0" y="0"/>
+          <a:ext cx="0" cy="0"/>
+          <a:chOff x="0" y="0"/>
+          <a:chExt cx="0" cy="0"/>
+        </a:xfrm>
+      </p:grpSpPr>
+      <p:sp>
+        <p:nvSpPr>
+          <p:cNvPr id="2" name="Title 1">
+            <a:extLst>
+              <a:ext uri="{FF2B5EF4-FFF2-40B4-BE49-F238E27FC236}">
+                <a16:creationId xmlns:a16="http://schemas.microsoft.com/office/drawing/2014/main" id="{FCF37CE7-639F-4944-998B-03F0F20E6595}"/>
+              </a:ext>
+            </a:extLst>
+          </p:cNvPr>
+          <p:cNvSpPr>
+            <a:spLocks noGrp="1"/>
+          </p:cNvSpPr>
+          <p:nvPr>
+            <p:ph type="title"/>
+          </p:nvPr>
+        </p:nvSpPr>
+        <p:spPr/>
+        <p:txBody>
+          <a:bodyPr/>
+          <a:lstStyle/>
+          <a:p>
+            <a:r>
+              <a:rPr lang="en-US" dirty="0"/>
+              <a:t>Change Tracking / Watching</a:t>
+            </a:r>
+          </a:p>
+        </p:txBody>
+      </p:sp>
+      <p:sp>
+        <p:nvSpPr>
+          <p:cNvPr id="3" name="Content Placeholder 2">
+            <a:extLst>
+              <a:ext uri="{FF2B5EF4-FFF2-40B4-BE49-F238E27FC236}">
+                <a16:creationId xmlns:a16="http://schemas.microsoft.com/office/drawing/2014/main" id="{C4B604CE-CC71-4DC5-BD14-C29436AE82B8}"/>
+              </a:ext>
+            </a:extLst>
+          </p:cNvPr>
+          <p:cNvSpPr>
+            <a:spLocks noGrp="1"/>
+          </p:cNvSpPr>
+          <p:nvPr>
+            <p:ph idx="1"/>
+          </p:nvPr>
+        </p:nvSpPr>
+        <p:spPr/>
+        <p:txBody>
+          <a:bodyPr/>
+          <a:lstStyle/>
+          <a:p>
+            <a:endParaRPr lang="en-US"/>
+          </a:p>
+        </p:txBody>
+      </p:sp>
+    </p:spTree>
+    <p:extLst>
+      <p:ext uri="{BB962C8B-B14F-4D97-AF65-F5344CB8AC3E}">
+        <p14:creationId xmlns:p14="http://schemas.microsoft.com/office/powerpoint/2010/main" val="3711854721"/>
+      </p:ext>
+    </p:extLst>
+  </p:cSld>
+  <p:clrMapOvr>
+    <a:masterClrMapping/>
+  </p:clrMapOvr>
+</p:sld>
+</file>
+
+<file path=ppt/slides/slide25.xml><?xml version="1.0" encoding="utf-8"?>
+<p:sld xmlns:a="http://schemas.openxmlformats.org/drawingml/2006/main" xmlns:r="http://schemas.openxmlformats.org/officeDocument/2006/relationships" xmlns:p="http://schemas.openxmlformats.org/presentationml/2006/main">
+  <p:cSld>
+    <p:spTree>
+      <p:nvGrpSpPr>
+        <p:cNvPr id="1" name=""/>
+        <p:cNvGrpSpPr/>
+        <p:nvPr/>
+      </p:nvGrpSpPr>
+      <p:grpSpPr>
+        <a:xfrm>
+          <a:off x="0" y="0"/>
+          <a:ext cx="0" cy="0"/>
+          <a:chOff x="0" y="0"/>
+          <a:chExt cx="0" cy="0"/>
+        </a:xfrm>
+      </p:grpSpPr>
+      <p:sp>
+        <p:nvSpPr>
+          <p:cNvPr id="2" name="Title 1">
+            <a:extLst>
+              <a:ext uri="{FF2B5EF4-FFF2-40B4-BE49-F238E27FC236}">
+                <a16:creationId xmlns:a16="http://schemas.microsoft.com/office/drawing/2014/main" id="{900688BD-766D-41D2-84D8-A793AF57BEED}"/>
+              </a:ext>
+            </a:extLst>
+          </p:cNvPr>
+          <p:cNvSpPr>
+            <a:spLocks noGrp="1"/>
+          </p:cNvSpPr>
+          <p:nvPr>
+            <p:ph type="title"/>
+          </p:nvPr>
+        </p:nvSpPr>
+        <p:spPr/>
+        <p:txBody>
+          <a:bodyPr/>
+          <a:lstStyle/>
+          <a:p>
+            <a:r>
+              <a:rPr lang="en-US"/>
+              <a:t>Lifecycle Events</a:t>
+            </a:r>
+          </a:p>
+        </p:txBody>
+      </p:sp>
+      <p:sp>
+        <p:nvSpPr>
+          <p:cNvPr id="3" name="Content Placeholder 2">
+            <a:extLst>
+              <a:ext uri="{FF2B5EF4-FFF2-40B4-BE49-F238E27FC236}">
+                <a16:creationId xmlns:a16="http://schemas.microsoft.com/office/drawing/2014/main" id="{1DB794F2-22D7-47CE-8C3A-4487CF02EF36}"/>
+              </a:ext>
+            </a:extLst>
+          </p:cNvPr>
+          <p:cNvSpPr>
+            <a:spLocks noGrp="1"/>
+          </p:cNvSpPr>
+          <p:nvPr>
+            <p:ph idx="1"/>
+          </p:nvPr>
+        </p:nvSpPr>
+        <p:spPr/>
+        <p:txBody>
+          <a:bodyPr/>
+          <a:lstStyle/>
+          <a:p>
+            <a:endParaRPr lang="en-US"/>
+          </a:p>
+        </p:txBody>
+      </p:sp>
+    </p:spTree>
+    <p:extLst>
+      <p:ext uri="{BB962C8B-B14F-4D97-AF65-F5344CB8AC3E}">
+        <p14:creationId xmlns:p14="http://schemas.microsoft.com/office/powerpoint/2010/main" val="2707469296"/>
       </p:ext>
     </p:extLst>
   </p:cSld>
